--- a/ALVF_AnalisePropostas_TI_DiretoriaExecutiva_Fev_2025/Apresentação_ProspecçãoSistema_Core_ALVF.pptx
+++ b/ALVF_AnalisePropostas_TI_DiretoriaExecutiva_Fev_2025/Apresentação_ProspecçãoSistema_Core_ALVF.pptx
@@ -5,7 +5,7 @@
     <p:sldMasterId id="2147483744" r:id="rId1"/>
   </p:sldMasterIdLst>
   <p:notesMasterIdLst>
-    <p:notesMasterId r:id="rId49"/>
+    <p:notesMasterId r:id="rId53"/>
   </p:notesMasterIdLst>
   <p:sldIdLst>
     <p:sldId id="256" r:id="rId2"/>
@@ -51,10 +51,14 @@
     <p:sldId id="261" r:id="rId42"/>
     <p:sldId id="401" r:id="rId43"/>
     <p:sldId id="402" r:id="rId44"/>
-    <p:sldId id="400" r:id="rId45"/>
-    <p:sldId id="403" r:id="rId46"/>
-    <p:sldId id="404" r:id="rId47"/>
-    <p:sldId id="262" r:id="rId48"/>
+    <p:sldId id="406" r:id="rId45"/>
+    <p:sldId id="407" r:id="rId46"/>
+    <p:sldId id="408" r:id="rId47"/>
+    <p:sldId id="409" r:id="rId48"/>
+    <p:sldId id="400" r:id="rId49"/>
+    <p:sldId id="403" r:id="rId50"/>
+    <p:sldId id="404" r:id="rId51"/>
+    <p:sldId id="262" r:id="rId52"/>
   </p:sldIdLst>
   <p:sldSz cx="9144000" cy="6858000" type="screen4x3"/>
   <p:notesSz cx="6858000" cy="9144000"/>
@@ -2783,7 +2787,7 @@
           <a:p>
             <a:fld id="{5802BE67-18CC-48B6-B0AC-DBB302AA60FE}" type="datetimeFigureOut">
               <a:rPr lang="pt-BR" smtClean="0"/>
-              <a:t>10/02/2025</a:t>
+              <a:t>11/02/2025</a:t>
             </a:fld>
             <a:endParaRPr lang="pt-BR"/>
           </a:p>
@@ -6528,7 +6532,7 @@
           <a:p>
             <a:fld id="{5BCAD085-E8A6-8845-BD4E-CB4CCA059FC4}" type="datetimeFigureOut">
               <a:rPr lang="en-US" smtClean="0"/>
-              <a:t>2/10/2025</a:t>
+              <a:t>2/11/2025</a:t>
             </a:fld>
             <a:endParaRPr lang="en-US"/>
           </a:p>
@@ -6726,7 +6730,7 @@
           <a:p>
             <a:fld id="{5BCAD085-E8A6-8845-BD4E-CB4CCA059FC4}" type="datetimeFigureOut">
               <a:rPr lang="en-US" smtClean="0"/>
-              <a:t>2/10/2025</a:t>
+              <a:t>2/11/2025</a:t>
             </a:fld>
             <a:endParaRPr lang="en-US"/>
           </a:p>
@@ -6934,7 +6938,7 @@
           <a:p>
             <a:fld id="{5BCAD085-E8A6-8845-BD4E-CB4CCA059FC4}" type="datetimeFigureOut">
               <a:rPr lang="en-US" smtClean="0"/>
-              <a:t>2/10/2025</a:t>
+              <a:t>2/11/2025</a:t>
             </a:fld>
             <a:endParaRPr lang="en-US"/>
           </a:p>
@@ -7721,7 +7725,7 @@
           <a:p>
             <a:fld id="{5BCAD085-E8A6-8845-BD4E-CB4CCA059FC4}" type="datetimeFigureOut">
               <a:rPr lang="en-US" smtClean="0"/>
-              <a:t>2/10/2025</a:t>
+              <a:t>2/11/2025</a:t>
             </a:fld>
             <a:endParaRPr lang="en-US"/>
           </a:p>
@@ -7996,7 +8000,7 @@
           <a:p>
             <a:fld id="{5BCAD085-E8A6-8845-BD4E-CB4CCA059FC4}" type="datetimeFigureOut">
               <a:rPr lang="en-US" smtClean="0"/>
-              <a:t>2/10/2025</a:t>
+              <a:t>2/11/2025</a:t>
             </a:fld>
             <a:endParaRPr lang="en-US"/>
           </a:p>
@@ -8261,7 +8265,7 @@
           <a:p>
             <a:fld id="{5BCAD085-E8A6-8845-BD4E-CB4CCA059FC4}" type="datetimeFigureOut">
               <a:rPr lang="en-US" smtClean="0"/>
-              <a:t>2/10/2025</a:t>
+              <a:t>2/11/2025</a:t>
             </a:fld>
             <a:endParaRPr lang="en-US"/>
           </a:p>
@@ -8673,7 +8677,7 @@
           <a:p>
             <a:fld id="{5BCAD085-E8A6-8845-BD4E-CB4CCA059FC4}" type="datetimeFigureOut">
               <a:rPr lang="en-US" smtClean="0"/>
-              <a:t>2/10/2025</a:t>
+              <a:t>2/11/2025</a:t>
             </a:fld>
             <a:endParaRPr lang="en-US"/>
           </a:p>
@@ -8814,7 +8818,7 @@
           <a:p>
             <a:fld id="{5BCAD085-E8A6-8845-BD4E-CB4CCA059FC4}" type="datetimeFigureOut">
               <a:rPr lang="en-US" smtClean="0"/>
-              <a:t>2/10/2025</a:t>
+              <a:t>2/11/2025</a:t>
             </a:fld>
             <a:endParaRPr lang="en-US"/>
           </a:p>
@@ -8927,7 +8931,7 @@
           <a:p>
             <a:fld id="{5BCAD085-E8A6-8845-BD4E-CB4CCA059FC4}" type="datetimeFigureOut">
               <a:rPr lang="en-US" smtClean="0"/>
-              <a:t>2/10/2025</a:t>
+              <a:t>2/11/2025</a:t>
             </a:fld>
             <a:endParaRPr lang="en-US"/>
           </a:p>
@@ -9238,7 +9242,7 @@
           <a:p>
             <a:fld id="{5BCAD085-E8A6-8845-BD4E-CB4CCA059FC4}" type="datetimeFigureOut">
               <a:rPr lang="en-US" smtClean="0"/>
-              <a:t>2/10/2025</a:t>
+              <a:t>2/11/2025</a:t>
             </a:fld>
             <a:endParaRPr lang="en-US"/>
           </a:p>
@@ -9526,7 +9530,7 @@
           <a:p>
             <a:fld id="{5BCAD085-E8A6-8845-BD4E-CB4CCA059FC4}" type="datetimeFigureOut">
               <a:rPr lang="en-US" smtClean="0"/>
-              <a:t>2/10/2025</a:t>
+              <a:t>2/11/2025</a:t>
             </a:fld>
             <a:endParaRPr lang="en-US"/>
           </a:p>
@@ -9767,7 +9771,7 @@
           <a:p>
             <a:fld id="{5BCAD085-E8A6-8845-BD4E-CB4CCA059FC4}" type="datetimeFigureOut">
               <a:rPr lang="en-US" smtClean="0"/>
-              <a:t>2/10/2025</a:t>
+              <a:t>2/11/2025</a:t>
             </a:fld>
             <a:endParaRPr lang="en-US"/>
           </a:p>
@@ -14404,7 +14408,7 @@
             <a:pPr algn="ctr"/>
             <a:r>
               <a:rPr lang="pt-BR" dirty="0"/>
-              <a:t>Observações Favoráveis</a:t>
+              <a:t>Observações Positivas</a:t>
             </a:r>
           </a:p>
         </p:txBody>
@@ -15059,7 +15063,7 @@
             <a:pPr algn="ctr"/>
             <a:r>
               <a:rPr lang="pt-BR" dirty="0"/>
-              <a:t>Observações Favoráveis</a:t>
+              <a:t>Observações Positivas</a:t>
             </a:r>
           </a:p>
         </p:txBody>
@@ -19494,7 +19498,7 @@
               <a:rPr lang="pt-BR" sz="1700" dirty="0">
                 <a:latin typeface="Arial" panose="020B0604020202020204" pitchFamily="34" charset="0"/>
               </a:rPr>
-              <a:t> adota uma arquitetura modular, permitindo que diferentes módulos sejam implementados conforme as necessidades específicas de cada instituição de saúde. Essa modularidade facilita a personalização e a escalabilidade do sistema.</a:t>
+              <a:t> adota arquitetura modular que permite que diferentes módulos sejam implementados conforme as necessidades específicas de cada instituição de saúde. Essa modularidade facilita a personalização e a escalabilidade do sistema.</a:t>
             </a:r>
           </a:p>
           <a:p>
@@ -19529,7 +19533,7 @@
               <a:rPr lang="pt-BR" sz="1700" dirty="0">
                 <a:latin typeface="Arial" panose="020B0604020202020204" pitchFamily="34" charset="0"/>
               </a:rPr>
-              <a:t>O sistema foi desenvolvido utilizando software livre, o que promove a flexibilidade, a independência de fornecedores proprietários e a possibilidade de customização conforme as demandas institucionais</a:t>
+              <a:t>O desenvolvimento com software livre promove a flexibilidade, a independência de fornecedores proprietários e a possibilidade de customização conforme as demandas institucionais</a:t>
             </a:r>
             <a:r>
               <a:rPr lang="pt-BR" dirty="0"/>
@@ -19572,7 +19576,7 @@
               <a:rPr lang="pt-BR" sz="1700" dirty="0">
                 <a:latin typeface="Arial" panose="020B0604020202020204" pitchFamily="34" charset="0"/>
               </a:rPr>
-              <a:t> opera em uma arquitetura cliente-servidor, onde os dados são processados no servidor central e acessados pelos clientes (usuários) através de interfaces web ou desktop.</a:t>
+              <a:t> opera arquitetura cliente-servidor, onde os dados são processados no servidor central e acessados pelos clientes (usuários) através de interfaces web ou desktop.</a:t>
             </a:r>
           </a:p>
           <a:p>
@@ -19613,7 +19617,19 @@
               <a:rPr lang="pt-BR" sz="1700" dirty="0">
                 <a:latin typeface="Arial" panose="020B0604020202020204" pitchFamily="34" charset="0"/>
               </a:rPr>
-              <a:t> é projetada para garantir a integração eficiente entre os componentes assistenciais e administrativos, assegurando um fluxo contínuo de informações.</a:t>
+              <a:t> é projetada para garantir a integração eficiente entre os componentes assistenciais e administrativos, compreendendo o uso de </a:t>
+            </a:r>
+            <a:r>
+              <a:rPr lang="pt-BR" sz="1700" dirty="0" err="1">
+                <a:latin typeface="Arial" panose="020B0604020202020204" pitchFamily="34" charset="0"/>
+              </a:rPr>
+              <a:t>API´s</a:t>
+            </a:r>
+            <a:r>
+              <a:rPr lang="pt-BR" sz="1700" dirty="0">
+                <a:latin typeface="Arial" panose="020B0604020202020204" pitchFamily="34" charset="0"/>
+              </a:rPr>
+              <a:t>.</a:t>
             </a:r>
           </a:p>
         </p:txBody>
@@ -19708,8 +19724,8 @@
         </p:nvSpPr>
         <p:spPr bwMode="auto">
           <a:xfrm>
-            <a:off x="370391" y="840790"/>
-            <a:ext cx="8437944" cy="5847755"/>
+            <a:off x="370391" y="1233205"/>
+            <a:ext cx="8437944" cy="5062924"/>
           </a:xfrm>
           <a:prstGeom prst="rect">
             <a:avLst/>
@@ -19816,19 +19832,7 @@
               <a:rPr lang="pt-BR" altLang="pt-BR" sz="1700" dirty="0">
                 <a:latin typeface="Arial" panose="020B0604020202020204" pitchFamily="34" charset="0"/>
               </a:rPr>
-              <a:t>O </a:t>
-            </a:r>
-            <a:r>
-              <a:rPr lang="pt-BR" altLang="pt-BR" sz="1700" dirty="0" err="1">
-                <a:latin typeface="Arial" panose="020B0604020202020204" pitchFamily="34" charset="0"/>
-              </a:rPr>
-              <a:t>AGHUse</a:t>
-            </a:r>
-            <a:r>
-              <a:rPr lang="pt-BR" altLang="pt-BR" sz="1700" dirty="0">
-                <a:latin typeface="Arial" panose="020B0604020202020204" pitchFamily="34" charset="0"/>
-              </a:rPr>
-              <a:t> é desenvolvido em Java, uma linguagem amplamente utilizada em sistemas corporativos devido à sua robustez e portabilidade.</a:t>
+              <a:t>É desenvolvido em Java, que é uma linguagem amplamente utilizada em sistemas corporativos devido à sua robustez e portabilidade.</a:t>
             </a:r>
           </a:p>
           <a:p>
@@ -19865,7 +19869,7 @@
               <a:rPr lang="pt-BR" altLang="pt-BR" sz="1700" dirty="0">
                 <a:latin typeface="Arial" panose="020B0604020202020204" pitchFamily="34" charset="0"/>
               </a:rPr>
-              <a:t>: Utiliza frameworks como o Spring para facilitar o desenvolvimento de aplicações corporativas, promovendo a inversão de controle e a injeção de dependências.</a:t>
+              <a:t>: Utiliza Spring para facilitar o desenvolvimento de aplicações corporativas, promovendo a inversão de controle e a injeção de dependências.</a:t>
             </a:r>
           </a:p>
           <a:p>
@@ -19921,7 +19925,7 @@
                 <a:effectLst/>
                 <a:latin typeface="Arial" panose="020B0604020202020204" pitchFamily="34" charset="0"/>
               </a:rPr>
-              <a:t> Emprega o PostgreSQL como sistema de gerenciamento de banco de dados relacional, conhecido por sua robustez e conformidade com padrões SQL.</a:t>
+              <a:t> Emprega o ORACLE, ou PostgreSQL como gerenciamento de banco de dados relacional - SQL.</a:t>
             </a:r>
           </a:p>
           <a:p>
@@ -19987,7 +19991,7 @@
                 <a:effectLst/>
                 <a:latin typeface="Arial" panose="020B0604020202020204" pitchFamily="34" charset="0"/>
               </a:rPr>
-              <a:t> Opera em servidores de aplicação como o JBoss </a:t>
+              <a:t> Opera servidores de aplicação como o JBoss </a:t>
             </a:r>
             <a:r>
               <a:rPr kumimoji="0" lang="pt-BR" altLang="pt-BR" sz="1700" b="0" i="0" u="none" strike="noStrike" cap="none" normalizeH="0" baseline="0" dirty="0" err="1">
@@ -20013,7 +20017,7 @@
                 <a:effectLst/>
                 <a:latin typeface="Arial" panose="020B0604020202020204" pitchFamily="34" charset="0"/>
               </a:rPr>
-              <a:t>, que fornecem um ambiente robusto para a execução de aplicações Java corporativas.</a:t>
+              <a:t>, para ambiente robusto de execução de aplicações Java corporativas.</a:t>
             </a:r>
           </a:p>
           <a:p>
@@ -20079,7 +20083,7 @@
                 <a:effectLst/>
                 <a:latin typeface="Arial" panose="020B0604020202020204" pitchFamily="34" charset="0"/>
               </a:rPr>
-              <a:t> Em algumas implementações, como na Unicamp, o </a:t>
+              <a:t> Na Unicamp, o </a:t>
             </a:r>
             <a:r>
               <a:rPr kumimoji="0" lang="pt-BR" altLang="pt-BR" sz="1700" b="0" i="0" u="none" strike="noStrike" cap="none" normalizeH="0" baseline="0" dirty="0" err="1">
@@ -20105,7 +20109,7 @@
                 <a:effectLst/>
                 <a:latin typeface="Arial" panose="020B0604020202020204" pitchFamily="34" charset="0"/>
               </a:rPr>
-              <a:t> foi migrado para uma arquitetura de contêineres utilizando o </a:t>
+              <a:t> utiliza arquitetura de contêineres com o </a:t>
             </a:r>
             <a:r>
               <a:rPr kumimoji="0" lang="pt-BR" altLang="pt-BR" sz="1700" b="0" i="0" u="none" strike="noStrike" cap="none" normalizeH="0" baseline="0" dirty="0" err="1">
@@ -20352,7 +20356,19 @@
               <a:rPr lang="pt-BR" sz="1600" dirty="0">
                 <a:latin typeface="Arial" panose="020B0604020202020204" pitchFamily="34" charset="0"/>
               </a:rPr>
-              <a:t> é projetado para integrar-se com diversos sistemas externos, garantindo a interoperabilidade necessária em ambientes hospitalares complexos.</a:t>
+              <a:t> é projetado para integrar-se com diversos sistemas externos. Garante o uso de </a:t>
+            </a:r>
+            <a:r>
+              <a:rPr lang="pt-BR" sz="1600" dirty="0" err="1">
+                <a:latin typeface="Arial" panose="020B0604020202020204" pitchFamily="34" charset="0"/>
+              </a:rPr>
+              <a:t>API´s</a:t>
+            </a:r>
+            <a:r>
+              <a:rPr lang="pt-BR" sz="1600" dirty="0">
+                <a:latin typeface="Arial" panose="020B0604020202020204" pitchFamily="34" charset="0"/>
+              </a:rPr>
+              <a:t>, a interoperabilidade para ambientes hospitalares complexos.</a:t>
             </a:r>
           </a:p>
           <a:p>
@@ -20399,7 +20415,7 @@
               <a:rPr lang="pt-BR" sz="1600" dirty="0">
                 <a:latin typeface="Arial" panose="020B0604020202020204" pitchFamily="34" charset="0"/>
               </a:rPr>
-              <a:t>O sistema assegura um fluxo contínuo de dados entre os módulos assistenciais e administrativos, permitindo que informações clínicas alimentem processos administrativos, como faturamento e controle de estoque, de forma automática.</a:t>
+              <a:t>Assegura fluxo contínuo de dados entre os módulos assistenciais e administrativos. Permite que informações clínicas alimentem processos administrativos, como faturamento e controle de estoque, de forma automática.</a:t>
             </a:r>
           </a:p>
           <a:p>
@@ -20446,19 +20462,7 @@
               <a:rPr lang="pt-BR" sz="1600" dirty="0">
                 <a:latin typeface="Arial" panose="020B0604020202020204" pitchFamily="34" charset="0"/>
               </a:rPr>
-              <a:t>O </a:t>
-            </a:r>
-            <a:r>
-              <a:rPr lang="pt-BR" sz="1600" dirty="0" err="1">
-                <a:latin typeface="Arial" panose="020B0604020202020204" pitchFamily="34" charset="0"/>
-              </a:rPr>
-              <a:t>AGHUse</a:t>
-            </a:r>
-            <a:r>
-              <a:rPr lang="pt-BR" sz="1600" dirty="0">
-                <a:latin typeface="Arial" panose="020B0604020202020204" pitchFamily="34" charset="0"/>
-              </a:rPr>
-              <a:t> pode interagir com bases de dados corporativas para validação de cadastros de colaboradores e pacientes, bem como para verificar a elegibilidade de beneficiários de planos de saúde.</a:t>
+              <a:t>Interage com bases de dados corporativas para validação de cadastros de colaboradores e pacientes e verifica a elegibilidade de beneficiários de planos de saúde.</a:t>
             </a:r>
           </a:p>
           <a:p>
@@ -20542,6 +20546,1158 @@
 </file>
 
 <file path=ppt/slides/slide44.xml><?xml version="1.0" encoding="utf-8"?>
+<p:sld xmlns:a="http://schemas.openxmlformats.org/drawingml/2006/main" xmlns:r="http://schemas.openxmlformats.org/officeDocument/2006/relationships" xmlns:p="http://schemas.openxmlformats.org/presentationml/2006/main">
+  <p:cSld>
+    <p:spTree>
+      <p:nvGrpSpPr>
+        <p:cNvPr id="1" name=""/>
+        <p:cNvGrpSpPr/>
+        <p:nvPr/>
+      </p:nvGrpSpPr>
+      <p:grpSpPr>
+        <a:xfrm>
+          <a:off x="0" y="0"/>
+          <a:ext cx="0" cy="0"/>
+          <a:chOff x="0" y="0"/>
+          <a:chExt cx="0" cy="0"/>
+        </a:xfrm>
+      </p:grpSpPr>
+      <p:sp>
+        <p:nvSpPr>
+          <p:cNvPr id="2" name="Título 1">
+            <a:extLst>
+              <a:ext uri="{FF2B5EF4-FFF2-40B4-BE49-F238E27FC236}">
+                <a16:creationId xmlns:a16="http://schemas.microsoft.com/office/drawing/2014/main" id="{6EF7B9B5-9505-8644-D3C3-79CF88BB0E51}"/>
+              </a:ext>
+            </a:extLst>
+          </p:cNvPr>
+          <p:cNvSpPr>
+            <a:spLocks noGrp="1"/>
+          </p:cNvSpPr>
+          <p:nvPr>
+            <p:ph type="title"/>
+          </p:nvPr>
+        </p:nvSpPr>
+        <p:spPr>
+          <a:xfrm>
+            <a:off x="335666" y="365127"/>
+            <a:ext cx="8179684" cy="653446"/>
+          </a:xfrm>
+        </p:spPr>
+        <p:txBody>
+          <a:bodyPr/>
+          <a:lstStyle/>
+          <a:p>
+            <a:r>
+              <a:rPr lang="pt-BR" dirty="0"/>
+              <a:t>Sistema Core Hospitalar</a:t>
+            </a:r>
+          </a:p>
+        </p:txBody>
+      </p:sp>
+      <p:sp>
+        <p:nvSpPr>
+          <p:cNvPr id="3" name="Espaço Reservado para Conteúdo 2">
+            <a:extLst>
+              <a:ext uri="{FF2B5EF4-FFF2-40B4-BE49-F238E27FC236}">
+                <a16:creationId xmlns:a16="http://schemas.microsoft.com/office/drawing/2014/main" id="{EB3AFB87-0DE5-94E9-C404-86F3E36B15EF}"/>
+              </a:ext>
+            </a:extLst>
+          </p:cNvPr>
+          <p:cNvSpPr>
+            <a:spLocks noGrp="1"/>
+          </p:cNvSpPr>
+          <p:nvPr>
+            <p:ph idx="1"/>
+          </p:nvPr>
+        </p:nvSpPr>
+        <p:spPr>
+          <a:xfrm>
+            <a:off x="335665" y="1172179"/>
+            <a:ext cx="8356921" cy="4351338"/>
+          </a:xfrm>
+        </p:spPr>
+        <p:txBody>
+          <a:bodyPr>
+            <a:normAutofit fontScale="85000" lnSpcReduction="20000"/>
+          </a:bodyPr>
+          <a:lstStyle/>
+          <a:p>
+            <a:pPr marL="0" indent="0" algn="just">
+              <a:buNone/>
+            </a:pPr>
+            <a:r>
+              <a:rPr lang="pt-BR" sz="2800" dirty="0"/>
+              <a:t>	O termo “Sistema Core Hospitalar" se refere a diferentes conceitos no contexto da saúde. </a:t>
+            </a:r>
+          </a:p>
+          <a:p>
+            <a:pPr marL="0" indent="0" algn="just">
+              <a:buNone/>
+            </a:pPr>
+            <a:r>
+              <a:rPr lang="pt-BR" sz="2800" dirty="0"/>
+              <a:t>	No caso de relacionado ao "</a:t>
+            </a:r>
+            <a:r>
+              <a:rPr lang="pt-BR" sz="2800" dirty="0" err="1"/>
+              <a:t>Patient</a:t>
+            </a:r>
+            <a:r>
+              <a:rPr lang="pt-BR" sz="2800" dirty="0"/>
+              <a:t> Core Record", visa definir o conteúdo essencial do prontuário do paciente, garantindo que informações fundamentais sejam registradas de forma padronizada e acessível.</a:t>
+            </a:r>
+          </a:p>
+          <a:p>
+            <a:pPr marL="0" indent="0" algn="just">
+              <a:buNone/>
+            </a:pPr>
+            <a:r>
+              <a:rPr lang="pt-BR" sz="2800" dirty="0">
+                <a:latin typeface="Arial" panose="020B0604020202020204" pitchFamily="34" charset="0"/>
+                <a:cs typeface="Arial" panose="020B0604020202020204" pitchFamily="34" charset="0"/>
+              </a:rPr>
+              <a:t>	Os profissionais da área necessitam identificar e validar as informações relevantes que devem ser armazenadas no prontuário, atendendo às necessidades de assistência, administração hospitalar, ensino e pesquisa.</a:t>
+            </a:r>
+          </a:p>
+          <a:p>
+            <a:pPr marL="0" indent="0" algn="just">
+              <a:buNone/>
+            </a:pPr>
+            <a:endParaRPr lang="pt-BR" sz="2800" dirty="0"/>
+          </a:p>
+          <a:p>
+            <a:pPr marL="0" indent="0" algn="just">
+              <a:buNone/>
+            </a:pPr>
+            <a:r>
+              <a:rPr lang="pt-BR" sz="2800" dirty="0"/>
+              <a:t> </a:t>
+            </a:r>
+            <a:r>
+              <a:rPr lang="pt-BR" sz="2800" dirty="0">
+                <a:hlinkClick r:id="rId2"/>
+              </a:rPr>
+              <a:t>scielo.br</a:t>
+            </a:r>
+            <a:r>
+              <a:rPr lang="pt-BR" sz="2800" dirty="0"/>
+              <a:t> (</a:t>
+            </a:r>
+            <a:r>
+              <a:rPr lang="pt-BR" sz="2800" dirty="0">
+                <a:hlinkClick r:id="rId2"/>
+              </a:rPr>
+              <a:t>https://www.scielo.br/j/</a:t>
+            </a:r>
+            <a:r>
+              <a:rPr lang="pt-BR" sz="2800" dirty="0" err="1">
+                <a:hlinkClick r:id="rId2"/>
+              </a:rPr>
+              <a:t>rac</a:t>
+            </a:r>
+            <a:r>
+              <a:rPr lang="pt-BR" sz="2800" dirty="0">
+                <a:hlinkClick r:id="rId2"/>
+              </a:rPr>
+              <a:t>/a/6jKfxVWdT3FC3DTFvGWNsmy/?</a:t>
+            </a:r>
+            <a:r>
+              <a:rPr lang="pt-BR" sz="2800" dirty="0" err="1">
+                <a:hlinkClick r:id="rId2"/>
+              </a:rPr>
+              <a:t>lang</a:t>
+            </a:r>
+            <a:r>
+              <a:rPr lang="pt-BR" sz="2800" dirty="0">
+                <a:hlinkClick r:id="rId2"/>
+              </a:rPr>
+              <a:t>=</a:t>
+            </a:r>
+            <a:r>
+              <a:rPr lang="pt-BR" sz="2800" dirty="0" err="1">
+                <a:hlinkClick r:id="rId2"/>
+              </a:rPr>
+              <a:t>pt&amp;utm_source</a:t>
+            </a:r>
+            <a:r>
+              <a:rPr lang="pt-BR" sz="2800" dirty="0">
+                <a:hlinkClick r:id="rId2"/>
+              </a:rPr>
+              <a:t>=chatgpt.com</a:t>
+            </a:r>
+            <a:r>
+              <a:rPr lang="pt-BR" sz="2800" dirty="0"/>
+              <a:t>).</a:t>
+            </a:r>
+          </a:p>
+          <a:p>
+            <a:pPr marL="0" indent="0" algn="just">
+              <a:buNone/>
+            </a:pPr>
+            <a:endParaRPr lang="pt-BR" sz="2800" dirty="0"/>
+          </a:p>
+          <a:p>
+            <a:endParaRPr lang="pt-BR" dirty="0"/>
+          </a:p>
+        </p:txBody>
+      </p:sp>
+    </p:spTree>
+    <p:extLst>
+      <p:ext uri="{BB962C8B-B14F-4D97-AF65-F5344CB8AC3E}">
+        <p14:creationId xmlns:p14="http://schemas.microsoft.com/office/powerpoint/2010/main" val="1054683758"/>
+      </p:ext>
+    </p:extLst>
+  </p:cSld>
+  <p:clrMapOvr>
+    <a:masterClrMapping/>
+  </p:clrMapOvr>
+</p:sld>
+</file>
+
+<file path=ppt/slides/slide45.xml><?xml version="1.0" encoding="utf-8"?>
+<p:sld xmlns:a="http://schemas.openxmlformats.org/drawingml/2006/main" xmlns:r="http://schemas.openxmlformats.org/officeDocument/2006/relationships" xmlns:p="http://schemas.openxmlformats.org/presentationml/2006/main">
+  <p:cSld>
+    <p:spTree>
+      <p:nvGrpSpPr>
+        <p:cNvPr id="1" name="">
+          <a:extLst>
+            <a:ext uri="{FF2B5EF4-FFF2-40B4-BE49-F238E27FC236}">
+              <a16:creationId xmlns:a16="http://schemas.microsoft.com/office/drawing/2014/main" id="{F5F0516A-6407-8DAE-CCF2-4C4688C67DCE}"/>
+            </a:ext>
+          </a:extLst>
+        </p:cNvPr>
+        <p:cNvGrpSpPr/>
+        <p:nvPr/>
+      </p:nvGrpSpPr>
+      <p:grpSpPr>
+        <a:xfrm>
+          <a:off x="0" y="0"/>
+          <a:ext cx="0" cy="0"/>
+          <a:chOff x="0" y="0"/>
+          <a:chExt cx="0" cy="0"/>
+        </a:xfrm>
+      </p:grpSpPr>
+      <p:sp>
+        <p:nvSpPr>
+          <p:cNvPr id="2" name="Título 1">
+            <a:extLst>
+              <a:ext uri="{FF2B5EF4-FFF2-40B4-BE49-F238E27FC236}">
+                <a16:creationId xmlns:a16="http://schemas.microsoft.com/office/drawing/2014/main" id="{7B6A054C-7FC7-7109-9967-5CF522694712}"/>
+              </a:ext>
+            </a:extLst>
+          </p:cNvPr>
+          <p:cNvSpPr>
+            <a:spLocks noGrp="1"/>
+          </p:cNvSpPr>
+          <p:nvPr>
+            <p:ph type="title"/>
+          </p:nvPr>
+        </p:nvSpPr>
+        <p:spPr>
+          <a:xfrm>
+            <a:off x="254643" y="365127"/>
+            <a:ext cx="8260707" cy="653446"/>
+          </a:xfrm>
+        </p:spPr>
+        <p:txBody>
+          <a:bodyPr/>
+          <a:lstStyle/>
+          <a:p>
+            <a:r>
+              <a:rPr lang="pt-BR" dirty="0"/>
+              <a:t>Sistema </a:t>
+            </a:r>
+            <a:r>
+              <a:rPr lang="pt-BR" sz="3600" dirty="0"/>
+              <a:t>Backoffice Hospitalar </a:t>
+            </a:r>
+            <a:endParaRPr lang="pt-BR" dirty="0"/>
+          </a:p>
+        </p:txBody>
+      </p:sp>
+      <p:sp>
+        <p:nvSpPr>
+          <p:cNvPr id="3" name="Espaço Reservado para Conteúdo 2">
+            <a:extLst>
+              <a:ext uri="{FF2B5EF4-FFF2-40B4-BE49-F238E27FC236}">
+                <a16:creationId xmlns:a16="http://schemas.microsoft.com/office/drawing/2014/main" id="{0FFA1B1B-24AE-6C90-B4C9-D09C8869B6F3}"/>
+              </a:ext>
+            </a:extLst>
+          </p:cNvPr>
+          <p:cNvSpPr>
+            <a:spLocks noGrp="1"/>
+          </p:cNvSpPr>
+          <p:nvPr>
+            <p:ph idx="1"/>
+          </p:nvPr>
+        </p:nvSpPr>
+        <p:spPr>
+          <a:xfrm>
+            <a:off x="254643" y="1172179"/>
+            <a:ext cx="8507391" cy="5320694"/>
+          </a:xfrm>
+        </p:spPr>
+        <p:txBody>
+          <a:bodyPr>
+            <a:normAutofit fontScale="92500" lnSpcReduction="10000"/>
+          </a:bodyPr>
+          <a:lstStyle/>
+          <a:p>
+            <a:pPr marL="0" indent="0" algn="just">
+              <a:lnSpc>
+                <a:spcPct val="110000"/>
+              </a:lnSpc>
+              <a:buNone/>
+            </a:pPr>
+            <a:r>
+              <a:rPr lang="pt-BR" sz="2400" dirty="0">
+                <a:latin typeface="Arial" panose="020B0604020202020204" pitchFamily="34" charset="0"/>
+                <a:cs typeface="Arial" panose="020B0604020202020204" pitchFamily="34" charset="0"/>
+              </a:rPr>
+              <a:t>	 Um sistema de backoffice hospitalar é o conjunto de processos e ferramentas que gerenciam as operações internas e administrativas, sem contato direto com os pacientes. São atividades das áreas como finanças, recursos humanos, logística, faturamento, controle de estoque e gestão de contratos.</a:t>
+            </a:r>
+          </a:p>
+          <a:p>
+            <a:pPr marL="0" indent="0" algn="just">
+              <a:lnSpc>
+                <a:spcPct val="110000"/>
+              </a:lnSpc>
+              <a:buNone/>
+            </a:pPr>
+            <a:r>
+              <a:rPr lang="pt-BR" sz="2400" dirty="0">
+                <a:latin typeface="Arial" panose="020B0604020202020204" pitchFamily="34" charset="0"/>
+                <a:cs typeface="Arial" panose="020B0604020202020204" pitchFamily="34" charset="0"/>
+              </a:rPr>
+              <a:t>	Embora não estejam na linha de frente do atendimento, são essenciais para o funcionamento eficiente e sustentável do hospital A integração e automação dessas funções por meio de sistemas digitais, conhecidos como backoffice digital, aumentam a eficiência operacional, reduzem erros e agilizam o fluxo de trabalho.</a:t>
+            </a:r>
+          </a:p>
+          <a:p>
+            <a:pPr marL="0" indent="0" algn="just">
+              <a:lnSpc>
+                <a:spcPct val="110000"/>
+              </a:lnSpc>
+              <a:buNone/>
+            </a:pPr>
+            <a:r>
+              <a:rPr lang="pt-BR" sz="2400" dirty="0">
+                <a:latin typeface="Arial" panose="020B0604020202020204" pitchFamily="34" charset="0"/>
+                <a:cs typeface="Arial" panose="020B0604020202020204" pitchFamily="34" charset="0"/>
+              </a:rPr>
+              <a:t>	Permite que os profissionais se concentrem em atividades estratégicas, melhorando a produtividade e a qualidade dos serviços prestados. </a:t>
+            </a:r>
+          </a:p>
+        </p:txBody>
+      </p:sp>
+    </p:spTree>
+    <p:extLst>
+      <p:ext uri="{BB962C8B-B14F-4D97-AF65-F5344CB8AC3E}">
+        <p14:creationId xmlns:p14="http://schemas.microsoft.com/office/powerpoint/2010/main" val="2718268041"/>
+      </p:ext>
+    </p:extLst>
+  </p:cSld>
+  <p:clrMapOvr>
+    <a:masterClrMapping/>
+  </p:clrMapOvr>
+</p:sld>
+</file>
+
+<file path=ppt/slides/slide46.xml><?xml version="1.0" encoding="utf-8"?>
+<p:sld xmlns:a="http://schemas.openxmlformats.org/drawingml/2006/main" xmlns:r="http://schemas.openxmlformats.org/officeDocument/2006/relationships" xmlns:p="http://schemas.openxmlformats.org/presentationml/2006/main">
+  <p:cSld>
+    <p:spTree>
+      <p:nvGrpSpPr>
+        <p:cNvPr id="1" name=""/>
+        <p:cNvGrpSpPr/>
+        <p:nvPr/>
+      </p:nvGrpSpPr>
+      <p:grpSpPr>
+        <a:xfrm>
+          <a:off x="0" y="0"/>
+          <a:ext cx="0" cy="0"/>
+          <a:chOff x="0" y="0"/>
+          <a:chExt cx="0" cy="0"/>
+        </a:xfrm>
+      </p:grpSpPr>
+      <p:sp>
+        <p:nvSpPr>
+          <p:cNvPr id="2" name="Título 1">
+            <a:extLst>
+              <a:ext uri="{FF2B5EF4-FFF2-40B4-BE49-F238E27FC236}">
+                <a16:creationId xmlns:a16="http://schemas.microsoft.com/office/drawing/2014/main" id="{C704905E-AB91-0314-49EB-07F0C0B29C21}"/>
+              </a:ext>
+            </a:extLst>
+          </p:cNvPr>
+          <p:cNvSpPr>
+            <a:spLocks noGrp="1"/>
+          </p:cNvSpPr>
+          <p:nvPr>
+            <p:ph type="title"/>
+          </p:nvPr>
+        </p:nvSpPr>
+        <p:spPr>
+          <a:xfrm>
+            <a:off x="628650" y="180065"/>
+            <a:ext cx="7886700" cy="821953"/>
+          </a:xfrm>
+        </p:spPr>
+        <p:txBody>
+          <a:bodyPr/>
+          <a:lstStyle/>
+          <a:p>
+            <a:pPr algn="ctr"/>
+            <a:r>
+              <a:rPr lang="pt-BR" dirty="0"/>
+              <a:t>Sistemas Core e Backoffice</a:t>
+            </a:r>
+          </a:p>
+        </p:txBody>
+      </p:sp>
+      <p:sp>
+        <p:nvSpPr>
+          <p:cNvPr id="4" name="Elipse 3">
+            <a:extLst>
+              <a:ext uri="{FF2B5EF4-FFF2-40B4-BE49-F238E27FC236}">
+                <a16:creationId xmlns:a16="http://schemas.microsoft.com/office/drawing/2014/main" id="{441A2602-64E9-4076-273B-B771798BC6C5}"/>
+              </a:ext>
+            </a:extLst>
+          </p:cNvPr>
+          <p:cNvSpPr/>
+          <p:nvPr/>
+        </p:nvSpPr>
+        <p:spPr>
+          <a:xfrm>
+            <a:off x="2347783" y="2052210"/>
+            <a:ext cx="4670855" cy="3781168"/>
+          </a:xfrm>
+          <a:prstGeom prst="ellipse">
+            <a:avLst/>
+          </a:prstGeom>
+          <a:solidFill>
+            <a:schemeClr val="accent1">
+              <a:lumMod val="20000"/>
+              <a:lumOff val="80000"/>
+            </a:schemeClr>
+          </a:solidFill>
+        </p:spPr>
+        <p:style>
+          <a:lnRef idx="2">
+            <a:schemeClr val="accent1">
+              <a:shade val="15000"/>
+            </a:schemeClr>
+          </a:lnRef>
+          <a:fillRef idx="1">
+            <a:schemeClr val="accent1"/>
+          </a:fillRef>
+          <a:effectRef idx="0">
+            <a:schemeClr val="accent1"/>
+          </a:effectRef>
+          <a:fontRef idx="minor">
+            <a:schemeClr val="lt1"/>
+          </a:fontRef>
+        </p:style>
+        <p:txBody>
+          <a:bodyPr rtlCol="0" anchor="ctr"/>
+          <a:lstStyle/>
+          <a:p>
+            <a:pPr algn="ctr"/>
+            <a:r>
+              <a:rPr lang="pt-BR" dirty="0">
+                <a:ln w="0"/>
+                <a:solidFill>
+                  <a:schemeClr val="tx1"/>
+                </a:solidFill>
+                <a:effectLst>
+                  <a:outerShdw blurRad="38100" dist="19050" dir="2700000" algn="tl" rotWithShape="0">
+                    <a:schemeClr val="dk1">
+                      <a:alpha val="40000"/>
+                    </a:schemeClr>
+                  </a:outerShdw>
+                </a:effectLst>
+              </a:rPr>
+              <a:t>Core Hospitalar</a:t>
+            </a:r>
+          </a:p>
+        </p:txBody>
+      </p:sp>
+      <p:sp>
+        <p:nvSpPr>
+          <p:cNvPr id="5" name="Elipse 4">
+            <a:extLst>
+              <a:ext uri="{FF2B5EF4-FFF2-40B4-BE49-F238E27FC236}">
+                <a16:creationId xmlns:a16="http://schemas.microsoft.com/office/drawing/2014/main" id="{34E8240E-9204-8392-D6C6-BF9DE7517B17}"/>
+              </a:ext>
+            </a:extLst>
+          </p:cNvPr>
+          <p:cNvSpPr/>
+          <p:nvPr/>
+        </p:nvSpPr>
+        <p:spPr>
+          <a:xfrm>
+            <a:off x="1488215" y="1795721"/>
+            <a:ext cx="1878227" cy="1633279"/>
+          </a:xfrm>
+          <a:prstGeom prst="ellipse">
+            <a:avLst/>
+          </a:prstGeom>
+          <a:solidFill>
+            <a:schemeClr val="tx2">
+              <a:lumMod val="10000"/>
+              <a:lumOff val="90000"/>
+            </a:schemeClr>
+          </a:solidFill>
+        </p:spPr>
+        <p:style>
+          <a:lnRef idx="2">
+            <a:schemeClr val="accent1">
+              <a:shade val="15000"/>
+            </a:schemeClr>
+          </a:lnRef>
+          <a:fillRef idx="1">
+            <a:schemeClr val="accent1"/>
+          </a:fillRef>
+          <a:effectRef idx="0">
+            <a:schemeClr val="accent1"/>
+          </a:effectRef>
+          <a:fontRef idx="minor">
+            <a:schemeClr val="lt1"/>
+          </a:fontRef>
+        </p:style>
+        <p:txBody>
+          <a:bodyPr rtlCol="0" anchor="ctr"/>
+          <a:lstStyle/>
+          <a:p>
+            <a:pPr algn="ctr"/>
+            <a:r>
+              <a:rPr lang="pt-BR" sz="1400" dirty="0">
+                <a:solidFill>
+                  <a:schemeClr val="tx1"/>
+                </a:solidFill>
+              </a:rPr>
+              <a:t>Governança e Compliance</a:t>
+            </a:r>
+            <a:endParaRPr lang="pt-BR" sz="1400" b="1" dirty="0">
+              <a:solidFill>
+                <a:schemeClr val="tx1"/>
+              </a:solidFill>
+            </a:endParaRPr>
+          </a:p>
+        </p:txBody>
+      </p:sp>
+      <p:sp>
+        <p:nvSpPr>
+          <p:cNvPr id="6" name="Elipse 5">
+            <a:extLst>
+              <a:ext uri="{FF2B5EF4-FFF2-40B4-BE49-F238E27FC236}">
+                <a16:creationId xmlns:a16="http://schemas.microsoft.com/office/drawing/2014/main" id="{1ADB9C70-2C8C-03DE-C1CD-5913DB5990D3}"/>
+              </a:ext>
+            </a:extLst>
+          </p:cNvPr>
+          <p:cNvSpPr/>
+          <p:nvPr/>
+        </p:nvSpPr>
+        <p:spPr>
+          <a:xfrm>
+            <a:off x="966658" y="3496079"/>
+            <a:ext cx="1956485" cy="1633279"/>
+          </a:xfrm>
+          <a:prstGeom prst="ellipse">
+            <a:avLst/>
+          </a:prstGeom>
+          <a:solidFill>
+            <a:schemeClr val="tx2">
+              <a:lumMod val="10000"/>
+              <a:lumOff val="90000"/>
+            </a:schemeClr>
+          </a:solidFill>
+        </p:spPr>
+        <p:style>
+          <a:lnRef idx="2">
+            <a:schemeClr val="accent1">
+              <a:shade val="15000"/>
+            </a:schemeClr>
+          </a:lnRef>
+          <a:fillRef idx="1">
+            <a:schemeClr val="accent1"/>
+          </a:fillRef>
+          <a:effectRef idx="0">
+            <a:schemeClr val="accent1"/>
+          </a:effectRef>
+          <a:fontRef idx="minor">
+            <a:schemeClr val="lt1"/>
+          </a:fontRef>
+        </p:style>
+        <p:txBody>
+          <a:bodyPr rtlCol="0" anchor="ctr"/>
+          <a:lstStyle/>
+          <a:p>
+            <a:pPr algn="ctr"/>
+            <a:r>
+              <a:rPr lang="pt-BR" sz="1400" b="1" dirty="0">
+                <a:solidFill>
+                  <a:schemeClr val="tx1"/>
+                </a:solidFill>
+              </a:rPr>
+              <a:t>Residência</a:t>
+            </a:r>
+          </a:p>
+        </p:txBody>
+      </p:sp>
+      <p:sp>
+        <p:nvSpPr>
+          <p:cNvPr id="8" name="Elipse 7">
+            <a:extLst>
+              <a:ext uri="{FF2B5EF4-FFF2-40B4-BE49-F238E27FC236}">
+                <a16:creationId xmlns:a16="http://schemas.microsoft.com/office/drawing/2014/main" id="{C077CBE4-C779-B3B2-217D-2BC24BB52385}"/>
+              </a:ext>
+            </a:extLst>
+          </p:cNvPr>
+          <p:cNvSpPr/>
+          <p:nvPr/>
+        </p:nvSpPr>
+        <p:spPr>
+          <a:xfrm>
+            <a:off x="2207741" y="4957247"/>
+            <a:ext cx="1956486" cy="1633279"/>
+          </a:xfrm>
+          <a:prstGeom prst="ellipse">
+            <a:avLst/>
+          </a:prstGeom>
+          <a:solidFill>
+            <a:schemeClr val="tx2">
+              <a:lumMod val="10000"/>
+              <a:lumOff val="90000"/>
+            </a:schemeClr>
+          </a:solidFill>
+        </p:spPr>
+        <p:style>
+          <a:lnRef idx="2">
+            <a:schemeClr val="accent1">
+              <a:shade val="15000"/>
+            </a:schemeClr>
+          </a:lnRef>
+          <a:fillRef idx="1">
+            <a:schemeClr val="accent1"/>
+          </a:fillRef>
+          <a:effectRef idx="0">
+            <a:schemeClr val="accent1"/>
+          </a:effectRef>
+          <a:fontRef idx="minor">
+            <a:schemeClr val="lt1"/>
+          </a:fontRef>
+        </p:style>
+        <p:txBody>
+          <a:bodyPr rtlCol="0" anchor="ctr"/>
+          <a:lstStyle/>
+          <a:p>
+            <a:pPr algn="ctr"/>
+            <a:r>
+              <a:rPr lang="pt-BR" sz="1400" b="1" dirty="0">
+                <a:solidFill>
+                  <a:schemeClr val="tx1"/>
+                </a:solidFill>
+              </a:rPr>
+              <a:t>Lavanderia</a:t>
+            </a:r>
+          </a:p>
+        </p:txBody>
+      </p:sp>
+      <p:sp>
+        <p:nvSpPr>
+          <p:cNvPr id="9" name="Elipse 8">
+            <a:extLst>
+              <a:ext uri="{FF2B5EF4-FFF2-40B4-BE49-F238E27FC236}">
+                <a16:creationId xmlns:a16="http://schemas.microsoft.com/office/drawing/2014/main" id="{FAE7D24A-3D59-30C5-DD77-133F1A040314}"/>
+              </a:ext>
+            </a:extLst>
+          </p:cNvPr>
+          <p:cNvSpPr/>
+          <p:nvPr/>
+        </p:nvSpPr>
+        <p:spPr>
+          <a:xfrm>
+            <a:off x="4226010" y="5243323"/>
+            <a:ext cx="2113006" cy="1633279"/>
+          </a:xfrm>
+          <a:prstGeom prst="ellipse">
+            <a:avLst/>
+          </a:prstGeom>
+          <a:solidFill>
+            <a:schemeClr val="tx2">
+              <a:lumMod val="10000"/>
+              <a:lumOff val="90000"/>
+            </a:schemeClr>
+          </a:solidFill>
+        </p:spPr>
+        <p:style>
+          <a:lnRef idx="2">
+            <a:schemeClr val="accent1">
+              <a:shade val="15000"/>
+            </a:schemeClr>
+          </a:lnRef>
+          <a:fillRef idx="1">
+            <a:schemeClr val="accent1"/>
+          </a:fillRef>
+          <a:effectRef idx="0">
+            <a:schemeClr val="accent1"/>
+          </a:effectRef>
+          <a:fontRef idx="minor">
+            <a:schemeClr val="lt1"/>
+          </a:fontRef>
+        </p:style>
+        <p:txBody>
+          <a:bodyPr rtlCol="0" anchor="ctr"/>
+          <a:lstStyle/>
+          <a:p>
+            <a:pPr algn="ctr"/>
+            <a:r>
+              <a:rPr lang="pt-BR" sz="1400" dirty="0">
+                <a:solidFill>
+                  <a:schemeClr val="tx1"/>
+                </a:solidFill>
+              </a:rPr>
+              <a:t>Regulação</a:t>
+            </a:r>
+            <a:r>
+              <a:rPr lang="pt-BR" sz="1400" dirty="0"/>
+              <a:t> </a:t>
+            </a:r>
+            <a:endParaRPr lang="pt-BR" sz="1400" b="1" dirty="0">
+              <a:solidFill>
+                <a:schemeClr val="tx1"/>
+              </a:solidFill>
+            </a:endParaRPr>
+          </a:p>
+        </p:txBody>
+      </p:sp>
+      <p:sp>
+        <p:nvSpPr>
+          <p:cNvPr id="10" name="Elipse 9">
+            <a:extLst>
+              <a:ext uri="{FF2B5EF4-FFF2-40B4-BE49-F238E27FC236}">
+                <a16:creationId xmlns:a16="http://schemas.microsoft.com/office/drawing/2014/main" id="{F526A085-ACFE-EDCA-0F1D-105445B21CE7}"/>
+              </a:ext>
+            </a:extLst>
+          </p:cNvPr>
+          <p:cNvSpPr/>
+          <p:nvPr/>
+        </p:nvSpPr>
+        <p:spPr>
+          <a:xfrm>
+            <a:off x="6237589" y="4461568"/>
+            <a:ext cx="1878227" cy="1633279"/>
+          </a:xfrm>
+          <a:prstGeom prst="ellipse">
+            <a:avLst/>
+          </a:prstGeom>
+          <a:solidFill>
+            <a:schemeClr val="tx2">
+              <a:lumMod val="10000"/>
+              <a:lumOff val="90000"/>
+            </a:schemeClr>
+          </a:solidFill>
+        </p:spPr>
+        <p:style>
+          <a:lnRef idx="2">
+            <a:schemeClr val="accent1">
+              <a:shade val="15000"/>
+            </a:schemeClr>
+          </a:lnRef>
+          <a:fillRef idx="1">
+            <a:schemeClr val="accent1"/>
+          </a:fillRef>
+          <a:effectRef idx="0">
+            <a:schemeClr val="accent1"/>
+          </a:effectRef>
+          <a:fontRef idx="minor">
+            <a:schemeClr val="lt1"/>
+          </a:fontRef>
+        </p:style>
+        <p:txBody>
+          <a:bodyPr rtlCol="0" anchor="ctr"/>
+          <a:lstStyle/>
+          <a:p>
+            <a:pPr algn="ctr"/>
+            <a:r>
+              <a:rPr lang="pt-BR" sz="1400" dirty="0">
+                <a:solidFill>
+                  <a:schemeClr val="tx1"/>
+                </a:solidFill>
+              </a:rPr>
+              <a:t>Gestão Contábil e Financeira</a:t>
+            </a:r>
+            <a:endParaRPr lang="pt-BR" sz="1400" b="1" dirty="0">
+              <a:solidFill>
+                <a:schemeClr val="tx1"/>
+              </a:solidFill>
+            </a:endParaRPr>
+          </a:p>
+        </p:txBody>
+      </p:sp>
+      <p:sp>
+        <p:nvSpPr>
+          <p:cNvPr id="11" name="Elipse 10">
+            <a:extLst>
+              <a:ext uri="{FF2B5EF4-FFF2-40B4-BE49-F238E27FC236}">
+                <a16:creationId xmlns:a16="http://schemas.microsoft.com/office/drawing/2014/main" id="{58B98F10-7322-58A0-9A8A-0DBD9796447E}"/>
+              </a:ext>
+            </a:extLst>
+          </p:cNvPr>
+          <p:cNvSpPr/>
+          <p:nvPr/>
+        </p:nvSpPr>
+        <p:spPr>
+          <a:xfrm>
+            <a:off x="6526940" y="2775792"/>
+            <a:ext cx="1878227" cy="1633279"/>
+          </a:xfrm>
+          <a:prstGeom prst="ellipse">
+            <a:avLst/>
+          </a:prstGeom>
+          <a:solidFill>
+            <a:schemeClr val="tx2">
+              <a:lumMod val="10000"/>
+              <a:lumOff val="90000"/>
+            </a:schemeClr>
+          </a:solidFill>
+        </p:spPr>
+        <p:style>
+          <a:lnRef idx="2">
+            <a:schemeClr val="accent1">
+              <a:shade val="15000"/>
+            </a:schemeClr>
+          </a:lnRef>
+          <a:fillRef idx="1">
+            <a:schemeClr val="accent1"/>
+          </a:fillRef>
+          <a:effectRef idx="0">
+            <a:schemeClr val="accent1"/>
+          </a:effectRef>
+          <a:fontRef idx="minor">
+            <a:schemeClr val="lt1"/>
+          </a:fontRef>
+        </p:style>
+        <p:txBody>
+          <a:bodyPr rtlCol="0" anchor="ctr"/>
+          <a:lstStyle/>
+          <a:p>
+            <a:pPr algn="ctr"/>
+            <a:r>
+              <a:rPr lang="pt-BR" sz="1400" b="1" dirty="0">
+                <a:solidFill>
+                  <a:schemeClr val="tx1"/>
+                </a:solidFill>
+              </a:rPr>
+              <a:t>Suprimentos</a:t>
+            </a:r>
+          </a:p>
+        </p:txBody>
+      </p:sp>
+      <p:sp>
+        <p:nvSpPr>
+          <p:cNvPr id="12" name="Elipse 11">
+            <a:extLst>
+              <a:ext uri="{FF2B5EF4-FFF2-40B4-BE49-F238E27FC236}">
+                <a16:creationId xmlns:a16="http://schemas.microsoft.com/office/drawing/2014/main" id="{39080A77-3822-85BF-14AF-23003172B357}"/>
+              </a:ext>
+            </a:extLst>
+          </p:cNvPr>
+          <p:cNvSpPr/>
+          <p:nvPr/>
+        </p:nvSpPr>
+        <p:spPr>
+          <a:xfrm>
+            <a:off x="3286896" y="1100634"/>
+            <a:ext cx="1878227" cy="1633279"/>
+          </a:xfrm>
+          <a:prstGeom prst="ellipse">
+            <a:avLst/>
+          </a:prstGeom>
+          <a:solidFill>
+            <a:schemeClr val="tx2">
+              <a:lumMod val="10000"/>
+              <a:lumOff val="90000"/>
+            </a:schemeClr>
+          </a:solidFill>
+        </p:spPr>
+        <p:style>
+          <a:lnRef idx="2">
+            <a:schemeClr val="accent1">
+              <a:shade val="15000"/>
+            </a:schemeClr>
+          </a:lnRef>
+          <a:fillRef idx="1">
+            <a:schemeClr val="accent1"/>
+          </a:fillRef>
+          <a:effectRef idx="0">
+            <a:schemeClr val="accent1"/>
+          </a:effectRef>
+          <a:fontRef idx="minor">
+            <a:schemeClr val="lt1"/>
+          </a:fontRef>
+        </p:style>
+        <p:txBody>
+          <a:bodyPr rtlCol="0" anchor="ctr"/>
+          <a:lstStyle/>
+          <a:p>
+            <a:pPr algn="ctr"/>
+            <a:r>
+              <a:rPr lang="pt-BR" sz="1400" b="1" dirty="0">
+                <a:solidFill>
+                  <a:schemeClr val="tx1"/>
+                </a:solidFill>
+              </a:rPr>
+              <a:t>Faturamento</a:t>
+            </a:r>
+          </a:p>
+        </p:txBody>
+      </p:sp>
+      <p:sp>
+        <p:nvSpPr>
+          <p:cNvPr id="13" name="Elipse 12">
+            <a:extLst>
+              <a:ext uri="{FF2B5EF4-FFF2-40B4-BE49-F238E27FC236}">
+                <a16:creationId xmlns:a16="http://schemas.microsoft.com/office/drawing/2014/main" id="{ED1001E9-D93F-772C-7649-3E829532C28F}"/>
+              </a:ext>
+            </a:extLst>
+          </p:cNvPr>
+          <p:cNvSpPr/>
+          <p:nvPr/>
+        </p:nvSpPr>
+        <p:spPr>
+          <a:xfrm>
+            <a:off x="5280454" y="1399210"/>
+            <a:ext cx="1878227" cy="1633279"/>
+          </a:xfrm>
+          <a:prstGeom prst="ellipse">
+            <a:avLst/>
+          </a:prstGeom>
+          <a:solidFill>
+            <a:schemeClr val="tx2">
+              <a:lumMod val="10000"/>
+              <a:lumOff val="90000"/>
+            </a:schemeClr>
+          </a:solidFill>
+        </p:spPr>
+        <p:style>
+          <a:lnRef idx="2">
+            <a:schemeClr val="accent1">
+              <a:shade val="15000"/>
+            </a:schemeClr>
+          </a:lnRef>
+          <a:fillRef idx="1">
+            <a:schemeClr val="accent1"/>
+          </a:fillRef>
+          <a:effectRef idx="0">
+            <a:schemeClr val="accent1"/>
+          </a:effectRef>
+          <a:fontRef idx="minor">
+            <a:schemeClr val="lt1"/>
+          </a:fontRef>
+        </p:style>
+        <p:txBody>
+          <a:bodyPr rtlCol="0" anchor="ctr"/>
+          <a:lstStyle/>
+          <a:p>
+            <a:pPr algn="ctr"/>
+            <a:r>
+              <a:rPr lang="pt-BR" sz="1400" b="1" dirty="0">
+                <a:solidFill>
+                  <a:schemeClr val="tx1"/>
+                </a:solidFill>
+              </a:rPr>
+              <a:t>RH</a:t>
+            </a:r>
+          </a:p>
+        </p:txBody>
+      </p:sp>
+    </p:spTree>
+    <p:extLst>
+      <p:ext uri="{BB962C8B-B14F-4D97-AF65-F5344CB8AC3E}">
+        <p14:creationId xmlns:p14="http://schemas.microsoft.com/office/powerpoint/2010/main" val="2452654157"/>
+      </p:ext>
+    </p:extLst>
+  </p:cSld>
+  <p:clrMapOvr>
+    <a:masterClrMapping/>
+  </p:clrMapOvr>
+</p:sld>
+</file>
+
+<file path=ppt/slides/slide47.xml><?xml version="1.0" encoding="utf-8"?>
+<p:sld xmlns:a="http://schemas.openxmlformats.org/drawingml/2006/main" xmlns:r="http://schemas.openxmlformats.org/officeDocument/2006/relationships" xmlns:p="http://schemas.openxmlformats.org/presentationml/2006/main">
+  <p:cSld>
+    <p:spTree>
+      <p:nvGrpSpPr>
+        <p:cNvPr id="1" name=""/>
+        <p:cNvGrpSpPr/>
+        <p:nvPr/>
+      </p:nvGrpSpPr>
+      <p:grpSpPr>
+        <a:xfrm>
+          <a:off x="0" y="0"/>
+          <a:ext cx="0" cy="0"/>
+          <a:chOff x="0" y="0"/>
+          <a:chExt cx="0" cy="0"/>
+        </a:xfrm>
+      </p:grpSpPr>
+      <p:sp>
+        <p:nvSpPr>
+          <p:cNvPr id="2" name="Título 1">
+            <a:extLst>
+              <a:ext uri="{FF2B5EF4-FFF2-40B4-BE49-F238E27FC236}">
+                <a16:creationId xmlns:a16="http://schemas.microsoft.com/office/drawing/2014/main" id="{C14302DE-0645-D8F9-4DD1-2EBF5F532A48}"/>
+              </a:ext>
+            </a:extLst>
+          </p:cNvPr>
+          <p:cNvSpPr>
+            <a:spLocks noGrp="1"/>
+          </p:cNvSpPr>
+          <p:nvPr>
+            <p:ph type="title"/>
+          </p:nvPr>
+        </p:nvSpPr>
+        <p:spPr>
+          <a:xfrm>
+            <a:off x="210065" y="369329"/>
+            <a:ext cx="7886700" cy="623415"/>
+          </a:xfrm>
+        </p:spPr>
+        <p:txBody>
+          <a:bodyPr/>
+          <a:lstStyle/>
+          <a:p>
+            <a:r>
+              <a:rPr lang="pt-BR" dirty="0"/>
+              <a:t>API</a:t>
+            </a:r>
+          </a:p>
+        </p:txBody>
+      </p:sp>
+      <p:sp>
+        <p:nvSpPr>
+          <p:cNvPr id="3" name="Espaço Reservado para Conteúdo 2">
+            <a:extLst>
+              <a:ext uri="{FF2B5EF4-FFF2-40B4-BE49-F238E27FC236}">
+                <a16:creationId xmlns:a16="http://schemas.microsoft.com/office/drawing/2014/main" id="{FABDFF56-521F-9F3B-278F-6CBBFB6603E5}"/>
+              </a:ext>
+            </a:extLst>
+          </p:cNvPr>
+          <p:cNvSpPr>
+            <a:spLocks noGrp="1"/>
+          </p:cNvSpPr>
+          <p:nvPr>
+            <p:ph idx="1"/>
+          </p:nvPr>
+        </p:nvSpPr>
+        <p:spPr>
+          <a:xfrm>
+            <a:off x="210065" y="1186249"/>
+            <a:ext cx="8649730" cy="4990714"/>
+          </a:xfrm>
+        </p:spPr>
+        <p:txBody>
+          <a:bodyPr>
+            <a:normAutofit/>
+          </a:bodyPr>
+          <a:lstStyle/>
+          <a:p>
+            <a:pPr algn="just"/>
+            <a:r>
+              <a:rPr lang="pt-BR" sz="2800" dirty="0">
+                <a:latin typeface="Arial" panose="020B0604020202020204" pitchFamily="34" charset="0"/>
+                <a:cs typeface="Arial" panose="020B0604020202020204" pitchFamily="34" charset="0"/>
+              </a:rPr>
+              <a:t>Uma </a:t>
+            </a:r>
+            <a:r>
+              <a:rPr lang="pt-BR" sz="2800" b="1" dirty="0"/>
+              <a:t>API (</a:t>
+            </a:r>
+            <a:r>
+              <a:rPr lang="pt-BR" sz="2800" b="1" dirty="0" err="1"/>
+              <a:t>Application</a:t>
+            </a:r>
+            <a:r>
+              <a:rPr lang="pt-BR" sz="2800" b="1" dirty="0"/>
+              <a:t> </a:t>
+            </a:r>
+            <a:r>
+              <a:rPr lang="pt-BR" sz="2800" b="1" dirty="0" err="1"/>
+              <a:t>Programming</a:t>
+            </a:r>
+            <a:r>
+              <a:rPr lang="pt-BR" sz="2800" b="1" dirty="0"/>
+              <a:t> Interface)</a:t>
+            </a:r>
+            <a:r>
+              <a:rPr lang="pt-BR" sz="2800" dirty="0"/>
+              <a:t> </a:t>
+            </a:r>
+            <a:r>
+              <a:rPr lang="pt-BR" sz="2800" dirty="0">
+                <a:latin typeface="Arial" panose="020B0604020202020204" pitchFamily="34" charset="0"/>
+                <a:cs typeface="Arial" panose="020B0604020202020204" pitchFamily="34" charset="0"/>
+              </a:rPr>
+              <a:t>é um conjunto de regras e protocolos que permite que diferentes sistemas se comuniquem entre si. No contexto hospitalar, as APIs possibilitam a integração entre:</a:t>
+            </a:r>
+          </a:p>
+          <a:p>
+            <a:pPr algn="just"/>
+            <a:r>
+              <a:rPr lang="pt-BR" sz="2800" b="1" dirty="0"/>
+              <a:t>Sistema Core Hospitalar</a:t>
+            </a:r>
+            <a:r>
+              <a:rPr lang="pt-BR" sz="2800" dirty="0"/>
+              <a:t> </a:t>
+            </a:r>
+            <a:r>
+              <a:rPr lang="pt-BR" sz="2800" dirty="0">
+                <a:latin typeface="Arial" panose="020B0604020202020204" pitchFamily="34" charset="0"/>
+                <a:cs typeface="Arial" panose="020B0604020202020204" pitchFamily="34" charset="0"/>
+              </a:rPr>
+              <a:t>– responsável pelo gerenciamento de prontuários eletrônicos, atendimento, leitos e procedimentos médicos.</a:t>
+            </a:r>
+          </a:p>
+          <a:p>
+            <a:pPr algn="just"/>
+            <a:r>
+              <a:rPr lang="pt-BR" sz="2800" b="1" dirty="0"/>
+              <a:t>Sistema de Backoffice</a:t>
+            </a:r>
+            <a:r>
+              <a:rPr lang="pt-BR" sz="2800" dirty="0"/>
+              <a:t> </a:t>
+            </a:r>
+            <a:r>
+              <a:rPr lang="pt-BR" sz="2800" dirty="0">
+                <a:latin typeface="Arial" panose="020B0604020202020204" pitchFamily="34" charset="0"/>
+                <a:cs typeface="Arial" panose="020B0604020202020204" pitchFamily="34" charset="0"/>
+              </a:rPr>
+              <a:t>– que cuida de processos administrativos, financeiros, contábeis e de recursos humanos.</a:t>
+            </a:r>
+          </a:p>
+          <a:p>
+            <a:endParaRPr lang="pt-BR" dirty="0"/>
+          </a:p>
+        </p:txBody>
+      </p:sp>
+    </p:spTree>
+    <p:extLst>
+      <p:ext uri="{BB962C8B-B14F-4D97-AF65-F5344CB8AC3E}">
+        <p14:creationId xmlns:p14="http://schemas.microsoft.com/office/powerpoint/2010/main" val="2395034521"/>
+      </p:ext>
+    </p:extLst>
+  </p:cSld>
+  <p:clrMapOvr>
+    <a:masterClrMapping/>
+  </p:clrMapOvr>
+</p:sld>
+</file>
+
+<file path=ppt/slides/slide48.xml><?xml version="1.0" encoding="utf-8"?>
 <p:sld xmlns:a="http://schemas.openxmlformats.org/drawingml/2006/main" xmlns:r="http://schemas.openxmlformats.org/officeDocument/2006/relationships" xmlns:p="http://schemas.openxmlformats.org/presentationml/2006/main">
   <p:cSld>
     <p:spTree>
@@ -21079,7 +22235,7 @@
 </p:sld>
 </file>
 
-<file path=ppt/slides/slide45.xml><?xml version="1.0" encoding="utf-8"?>
+<file path=ppt/slides/slide49.xml><?xml version="1.0" encoding="utf-8"?>
 <p:sld xmlns:a="http://schemas.openxmlformats.org/drawingml/2006/main" xmlns:r="http://schemas.openxmlformats.org/officeDocument/2006/relationships" xmlns:p="http://schemas.openxmlformats.org/presentationml/2006/main">
   <p:cSld>
     <p:spTree>
@@ -21172,332 +22328,6 @@
         <p14:creationId xmlns:p14="http://schemas.microsoft.com/office/powerpoint/2010/main" val="3765535251"/>
       </p:ext>
     </p:extLst>
-  </p:cSld>
-  <p:clrMapOvr>
-    <a:masterClrMapping/>
-  </p:clrMapOvr>
-</p:sld>
-</file>
-
-<file path=ppt/slides/slide46.xml><?xml version="1.0" encoding="utf-8"?>
-<p:sld xmlns:a="http://schemas.openxmlformats.org/drawingml/2006/main" xmlns:r="http://schemas.openxmlformats.org/officeDocument/2006/relationships" xmlns:p="http://schemas.openxmlformats.org/presentationml/2006/main">
-  <p:cSld>
-    <p:spTree>
-      <p:nvGrpSpPr>
-        <p:cNvPr id="1" name="Shape 77"/>
-        <p:cNvGrpSpPr/>
-        <p:nvPr/>
-      </p:nvGrpSpPr>
-      <p:grpSpPr>
-        <a:xfrm>
-          <a:off x="0" y="0"/>
-          <a:ext cx="0" cy="0"/>
-          <a:chOff x="0" y="0"/>
-          <a:chExt cx="0" cy="0"/>
-        </a:xfrm>
-      </p:grpSpPr>
-      <p:pic>
-        <p:nvPicPr>
-          <p:cNvPr id="78" name="Google Shape;78;p17" title="Gráfico"/>
-          <p:cNvPicPr preferRelativeResize="0"/>
-          <p:nvPr/>
-        </p:nvPicPr>
-        <p:blipFill rotWithShape="1">
-          <a:blip r:embed="rId3">
-            <a:alphaModFix/>
-          </a:blip>
-          <a:srcRect b="3836"/>
-          <a:stretch/>
-        </p:blipFill>
-        <p:spPr>
-          <a:xfrm>
-            <a:off x="93063" y="1418574"/>
-            <a:ext cx="6997861" cy="4582177"/>
-          </a:xfrm>
-          <a:prstGeom prst="rect">
-            <a:avLst/>
-          </a:prstGeom>
-          <a:noFill/>
-          <a:ln>
-            <a:noFill/>
-          </a:ln>
-        </p:spPr>
-      </p:pic>
-      <p:sp>
-        <p:nvSpPr>
-          <p:cNvPr id="79" name="Google Shape;79;p17"/>
-          <p:cNvSpPr txBox="1"/>
-          <p:nvPr/>
-        </p:nvSpPr>
-        <p:spPr>
-          <a:xfrm>
-            <a:off x="855600" y="952075"/>
-            <a:ext cx="7574700" cy="610500"/>
-          </a:xfrm>
-          <a:prstGeom prst="rect">
-            <a:avLst/>
-          </a:prstGeom>
-          <a:noFill/>
-          <a:ln>
-            <a:noFill/>
-          </a:ln>
-        </p:spPr>
-        <p:txBody>
-          <a:bodyPr spcFirstLastPara="1" wrap="square" lIns="91425" tIns="91425" rIns="91425" bIns="91425" anchor="t" anchorCtr="0">
-            <a:noAutofit/>
-          </a:bodyPr>
-          <a:lstStyle/>
-          <a:p>
-            <a:pPr algn="ctr">
-              <a:buClr>
-                <a:srgbClr val="000000"/>
-              </a:buClr>
-              <a:buSzPts val="2000"/>
-            </a:pPr>
-            <a:r>
-              <a:rPr lang="pt-BR" sz="3000" dirty="0" err="1">
-                <a:solidFill>
-                  <a:srgbClr val="47BF38"/>
-                </a:solidFill>
-                <a:latin typeface="Raleway Light"/>
-                <a:ea typeface="Raleway Light"/>
-                <a:cs typeface="Raleway Light"/>
-                <a:sym typeface="Raleway Light"/>
-              </a:rPr>
-              <a:t>AGHUse</a:t>
-            </a:r>
-            <a:r>
-              <a:rPr lang="pt-BR" sz="3000" dirty="0">
-                <a:solidFill>
-                  <a:srgbClr val="47BF38"/>
-                </a:solidFill>
-                <a:latin typeface="Raleway Light"/>
-                <a:ea typeface="Raleway Light"/>
-                <a:cs typeface="Raleway Light"/>
-                <a:sym typeface="Raleway Light"/>
-              </a:rPr>
-              <a:t> - </a:t>
-            </a:r>
-            <a:r>
-              <a:rPr lang="pt-BR" sz="2000" dirty="0">
-                <a:solidFill>
-                  <a:srgbClr val="47BF38"/>
-                </a:solidFill>
-                <a:latin typeface="Raleway Light"/>
-                <a:ea typeface="Raleway Light"/>
-                <a:cs typeface="Raleway Light"/>
-                <a:sym typeface="Raleway Light"/>
-              </a:rPr>
-              <a:t>Evolução em </a:t>
-            </a:r>
-            <a:r>
-              <a:rPr lang="pt-BR" sz="2000" dirty="0" err="1">
-                <a:solidFill>
-                  <a:srgbClr val="47BF38"/>
-                </a:solidFill>
-                <a:latin typeface="Raleway Light"/>
-                <a:ea typeface="Raleway Light"/>
-                <a:cs typeface="Raleway Light"/>
-                <a:sym typeface="Raleway Light"/>
-              </a:rPr>
-              <a:t>Macropontos</a:t>
-            </a:r>
-            <a:endParaRPr sz="2000" b="1" dirty="0">
-              <a:solidFill>
-                <a:srgbClr val="47BF38"/>
-              </a:solidFill>
-              <a:latin typeface="Raleway"/>
-              <a:ea typeface="Raleway"/>
-              <a:cs typeface="Raleway"/>
-              <a:sym typeface="Raleway"/>
-            </a:endParaRPr>
-          </a:p>
-        </p:txBody>
-      </p:sp>
-      <p:sp>
-        <p:nvSpPr>
-          <p:cNvPr id="2" name="CaixaDeTexto 1">
-            <a:extLst>
-              <a:ext uri="{FF2B5EF4-FFF2-40B4-BE49-F238E27FC236}">
-                <a16:creationId xmlns:a16="http://schemas.microsoft.com/office/drawing/2014/main" id="{8B17D4DC-2696-04B4-79E9-1430721FCB81}"/>
-              </a:ext>
-            </a:extLst>
-          </p:cNvPr>
-          <p:cNvSpPr txBox="1"/>
-          <p:nvPr/>
-        </p:nvSpPr>
-        <p:spPr>
-          <a:xfrm>
-            <a:off x="7009213" y="4881129"/>
-            <a:ext cx="1960015" cy="1723549"/>
-          </a:xfrm>
-          <a:prstGeom prst="rect">
-            <a:avLst/>
-          </a:prstGeom>
-          <a:solidFill>
-            <a:schemeClr val="accent2">
-              <a:lumMod val="20000"/>
-              <a:lumOff val="80000"/>
-            </a:schemeClr>
-          </a:solidFill>
-        </p:spPr>
-        <p:txBody>
-          <a:bodyPr wrap="square" rtlCol="0">
-            <a:spAutoFit/>
-          </a:bodyPr>
-          <a:lstStyle/>
-          <a:p>
-            <a:r>
-              <a:rPr lang="pt-BR" sz="1100" dirty="0"/>
-              <a:t>1 </a:t>
-            </a:r>
-            <a:r>
-              <a:rPr lang="pt-BR" sz="1100" dirty="0" err="1"/>
-              <a:t>macroponto</a:t>
-            </a:r>
-            <a:r>
-              <a:rPr lang="pt-BR" sz="1100" dirty="0"/>
-              <a:t>= </a:t>
-            </a:r>
-          </a:p>
-          <a:p>
-            <a:r>
-              <a:rPr lang="pt-BR" sz="1100" dirty="0"/>
-              <a:t>+/- </a:t>
-            </a:r>
-          </a:p>
-          <a:p>
-            <a:r>
-              <a:rPr lang="pt-BR" sz="1100" dirty="0"/>
-              <a:t>U$ 200.000,00</a:t>
-            </a:r>
-          </a:p>
-          <a:p>
-            <a:endParaRPr lang="pt-BR" sz="1100" dirty="0"/>
-          </a:p>
-          <a:p>
-            <a:r>
-              <a:rPr lang="pt-BR" sz="1100" dirty="0"/>
-              <a:t>+/-</a:t>
-            </a:r>
-          </a:p>
-          <a:p>
-            <a:r>
-              <a:rPr lang="pt-BR" sz="1100" dirty="0"/>
-              <a:t>R$ </a:t>
-            </a:r>
-          </a:p>
-          <a:p>
-            <a:r>
-              <a:rPr lang="pt-BR" sz="1100" dirty="0"/>
-              <a:t>12.899.250.000,00</a:t>
-            </a:r>
-          </a:p>
-          <a:p>
-            <a:r>
-              <a:rPr lang="pt-BR" sz="1100" dirty="0"/>
-              <a:t>Estimativa pelo Radamés</a:t>
-            </a:r>
-          </a:p>
-          <a:p>
-            <a:endParaRPr lang="pt-BR" dirty="0"/>
-          </a:p>
-        </p:txBody>
-      </p:sp>
-    </p:spTree>
-  </p:cSld>
-  <p:clrMapOvr>
-    <a:masterClrMapping/>
-  </p:clrMapOvr>
-</p:sld>
-</file>
-
-<file path=ppt/slides/slide47.xml><?xml version="1.0" encoding="utf-8"?>
-<p:sld xmlns:a="http://schemas.openxmlformats.org/drawingml/2006/main" xmlns:r="http://schemas.openxmlformats.org/officeDocument/2006/relationships" xmlns:p="http://schemas.openxmlformats.org/presentationml/2006/main">
-  <p:cSld>
-    <p:bg>
-      <p:bgPr>
-        <a:solidFill>
-          <a:schemeClr val="bg1"/>
-        </a:solidFill>
-        <a:effectLst/>
-      </p:bgPr>
-    </p:bg>
-    <p:spTree>
-      <p:nvGrpSpPr>
-        <p:cNvPr id="1" name=""/>
-        <p:cNvGrpSpPr/>
-        <p:nvPr/>
-      </p:nvGrpSpPr>
-      <p:grpSpPr>
-        <a:xfrm>
-          <a:off x="0" y="0"/>
-          <a:ext cx="0" cy="0"/>
-          <a:chOff x="0" y="0"/>
-          <a:chExt cx="0" cy="0"/>
-        </a:xfrm>
-      </p:grpSpPr>
-      <p:sp>
-        <p:nvSpPr>
-          <p:cNvPr id="2" name="Title 1"/>
-          <p:cNvSpPr>
-            <a:spLocks noGrp="1"/>
-          </p:cNvSpPr>
-          <p:nvPr>
-            <p:ph type="title"/>
-          </p:nvPr>
-        </p:nvSpPr>
-        <p:spPr>
-          <a:xfrm>
-            <a:off x="620486" y="426739"/>
-            <a:ext cx="7750628" cy="1618489"/>
-          </a:xfrm>
-        </p:spPr>
-        <p:txBody>
-          <a:bodyPr anchor="ctr">
-            <a:normAutofit/>
-          </a:bodyPr>
-          <a:lstStyle/>
-          <a:p>
-            <a:r>
-              <a:rPr lang="pt-BR" sz="5400" dirty="0"/>
-              <a:t>Conclusão</a:t>
-            </a:r>
-          </a:p>
-        </p:txBody>
-      </p:sp>
-      <p:graphicFrame>
-        <p:nvGraphicFramePr>
-          <p:cNvPr id="5" name="Content Placeholder 2">
-            <a:extLst>
-              <a:ext uri="{FF2B5EF4-FFF2-40B4-BE49-F238E27FC236}">
-                <a16:creationId xmlns:a16="http://schemas.microsoft.com/office/drawing/2014/main" id="{0301372E-773E-634A-6EAC-0A09A8C3501C}"/>
-              </a:ext>
-            </a:extLst>
-          </p:cNvPr>
-          <p:cNvGraphicFramePr>
-            <a:graphicFrameLocks noGrp="1"/>
-          </p:cNvGraphicFramePr>
-          <p:nvPr>
-            <p:ph idx="1"/>
-            <p:extLst>
-              <p:ext uri="{D42A27DB-BD31-4B8C-83A1-F6EECF244321}">
-                <p14:modId xmlns:p14="http://schemas.microsoft.com/office/powerpoint/2010/main" val="3225319052"/>
-              </p:ext>
-            </p:extLst>
-          </p:nvPr>
-        </p:nvGraphicFramePr>
-        <p:xfrm>
-          <a:off x="620486" y="2155339"/>
-          <a:ext cx="7903028" cy="3963406"/>
-        </p:xfrm>
-        <a:graphic>
-          <a:graphicData uri="http://schemas.openxmlformats.org/drawingml/2006/diagram">
-            <dgm:relIds xmlns:dgm="http://schemas.openxmlformats.org/drawingml/2006/diagram" xmlns:r="http://schemas.openxmlformats.org/officeDocument/2006/relationships" r:dm="rId2" r:lo="rId3" r:qs="rId4" r:cs="rId5"/>
-          </a:graphicData>
-        </a:graphic>
-      </p:graphicFrame>
-    </p:spTree>
   </p:cSld>
   <p:clrMapOvr>
     <a:masterClrMapping/>
@@ -21772,6 +22602,332 @@
         <p14:creationId xmlns:p14="http://schemas.microsoft.com/office/powerpoint/2010/main" val="2839195742"/>
       </p:ext>
     </p:extLst>
+  </p:cSld>
+  <p:clrMapOvr>
+    <a:masterClrMapping/>
+  </p:clrMapOvr>
+</p:sld>
+</file>
+
+<file path=ppt/slides/slide50.xml><?xml version="1.0" encoding="utf-8"?>
+<p:sld xmlns:a="http://schemas.openxmlformats.org/drawingml/2006/main" xmlns:r="http://schemas.openxmlformats.org/officeDocument/2006/relationships" xmlns:p="http://schemas.openxmlformats.org/presentationml/2006/main">
+  <p:cSld>
+    <p:spTree>
+      <p:nvGrpSpPr>
+        <p:cNvPr id="1" name="Shape 77"/>
+        <p:cNvGrpSpPr/>
+        <p:nvPr/>
+      </p:nvGrpSpPr>
+      <p:grpSpPr>
+        <a:xfrm>
+          <a:off x="0" y="0"/>
+          <a:ext cx="0" cy="0"/>
+          <a:chOff x="0" y="0"/>
+          <a:chExt cx="0" cy="0"/>
+        </a:xfrm>
+      </p:grpSpPr>
+      <p:pic>
+        <p:nvPicPr>
+          <p:cNvPr id="78" name="Google Shape;78;p17" title="Gráfico"/>
+          <p:cNvPicPr preferRelativeResize="0"/>
+          <p:nvPr/>
+        </p:nvPicPr>
+        <p:blipFill rotWithShape="1">
+          <a:blip r:embed="rId3">
+            <a:alphaModFix/>
+          </a:blip>
+          <a:srcRect b="3836"/>
+          <a:stretch/>
+        </p:blipFill>
+        <p:spPr>
+          <a:xfrm>
+            <a:off x="93063" y="1418574"/>
+            <a:ext cx="6997861" cy="4582177"/>
+          </a:xfrm>
+          <a:prstGeom prst="rect">
+            <a:avLst/>
+          </a:prstGeom>
+          <a:noFill/>
+          <a:ln>
+            <a:noFill/>
+          </a:ln>
+        </p:spPr>
+      </p:pic>
+      <p:sp>
+        <p:nvSpPr>
+          <p:cNvPr id="79" name="Google Shape;79;p17"/>
+          <p:cNvSpPr txBox="1"/>
+          <p:nvPr/>
+        </p:nvSpPr>
+        <p:spPr>
+          <a:xfrm>
+            <a:off x="855600" y="952075"/>
+            <a:ext cx="7574700" cy="610500"/>
+          </a:xfrm>
+          <a:prstGeom prst="rect">
+            <a:avLst/>
+          </a:prstGeom>
+          <a:noFill/>
+          <a:ln>
+            <a:noFill/>
+          </a:ln>
+        </p:spPr>
+        <p:txBody>
+          <a:bodyPr spcFirstLastPara="1" wrap="square" lIns="91425" tIns="91425" rIns="91425" bIns="91425" anchor="t" anchorCtr="0">
+            <a:noAutofit/>
+          </a:bodyPr>
+          <a:lstStyle/>
+          <a:p>
+            <a:pPr algn="ctr">
+              <a:buClr>
+                <a:srgbClr val="000000"/>
+              </a:buClr>
+              <a:buSzPts val="2000"/>
+            </a:pPr>
+            <a:r>
+              <a:rPr lang="pt-BR" sz="3000" dirty="0" err="1">
+                <a:solidFill>
+                  <a:srgbClr val="47BF38"/>
+                </a:solidFill>
+                <a:latin typeface="Raleway Light"/>
+                <a:ea typeface="Raleway Light"/>
+                <a:cs typeface="Raleway Light"/>
+                <a:sym typeface="Raleway Light"/>
+              </a:rPr>
+              <a:t>AGHUse</a:t>
+            </a:r>
+            <a:r>
+              <a:rPr lang="pt-BR" sz="3000" dirty="0">
+                <a:solidFill>
+                  <a:srgbClr val="47BF38"/>
+                </a:solidFill>
+                <a:latin typeface="Raleway Light"/>
+                <a:ea typeface="Raleway Light"/>
+                <a:cs typeface="Raleway Light"/>
+                <a:sym typeface="Raleway Light"/>
+              </a:rPr>
+              <a:t> - </a:t>
+            </a:r>
+            <a:r>
+              <a:rPr lang="pt-BR" sz="2000" dirty="0">
+                <a:solidFill>
+                  <a:srgbClr val="47BF38"/>
+                </a:solidFill>
+                <a:latin typeface="Raleway Light"/>
+                <a:ea typeface="Raleway Light"/>
+                <a:cs typeface="Raleway Light"/>
+                <a:sym typeface="Raleway Light"/>
+              </a:rPr>
+              <a:t>Evolução em </a:t>
+            </a:r>
+            <a:r>
+              <a:rPr lang="pt-BR" sz="2000" dirty="0" err="1">
+                <a:solidFill>
+                  <a:srgbClr val="47BF38"/>
+                </a:solidFill>
+                <a:latin typeface="Raleway Light"/>
+                <a:ea typeface="Raleway Light"/>
+                <a:cs typeface="Raleway Light"/>
+                <a:sym typeface="Raleway Light"/>
+              </a:rPr>
+              <a:t>Macropontos</a:t>
+            </a:r>
+            <a:endParaRPr sz="2000" b="1" dirty="0">
+              <a:solidFill>
+                <a:srgbClr val="47BF38"/>
+              </a:solidFill>
+              <a:latin typeface="Raleway"/>
+              <a:ea typeface="Raleway"/>
+              <a:cs typeface="Raleway"/>
+              <a:sym typeface="Raleway"/>
+            </a:endParaRPr>
+          </a:p>
+        </p:txBody>
+      </p:sp>
+      <p:sp>
+        <p:nvSpPr>
+          <p:cNvPr id="2" name="CaixaDeTexto 1">
+            <a:extLst>
+              <a:ext uri="{FF2B5EF4-FFF2-40B4-BE49-F238E27FC236}">
+                <a16:creationId xmlns:a16="http://schemas.microsoft.com/office/drawing/2014/main" id="{8B17D4DC-2696-04B4-79E9-1430721FCB81}"/>
+              </a:ext>
+            </a:extLst>
+          </p:cNvPr>
+          <p:cNvSpPr txBox="1"/>
+          <p:nvPr/>
+        </p:nvSpPr>
+        <p:spPr>
+          <a:xfrm>
+            <a:off x="7009213" y="4881129"/>
+            <a:ext cx="1960015" cy="1723549"/>
+          </a:xfrm>
+          <a:prstGeom prst="rect">
+            <a:avLst/>
+          </a:prstGeom>
+          <a:solidFill>
+            <a:schemeClr val="accent2">
+              <a:lumMod val="20000"/>
+              <a:lumOff val="80000"/>
+            </a:schemeClr>
+          </a:solidFill>
+        </p:spPr>
+        <p:txBody>
+          <a:bodyPr wrap="square" rtlCol="0">
+            <a:spAutoFit/>
+          </a:bodyPr>
+          <a:lstStyle/>
+          <a:p>
+            <a:r>
+              <a:rPr lang="pt-BR" sz="1100" dirty="0"/>
+              <a:t>1 </a:t>
+            </a:r>
+            <a:r>
+              <a:rPr lang="pt-BR" sz="1100" dirty="0" err="1"/>
+              <a:t>macroponto</a:t>
+            </a:r>
+            <a:r>
+              <a:rPr lang="pt-BR" sz="1100" dirty="0"/>
+              <a:t>= </a:t>
+            </a:r>
+          </a:p>
+          <a:p>
+            <a:r>
+              <a:rPr lang="pt-BR" sz="1100" dirty="0"/>
+              <a:t>+/- </a:t>
+            </a:r>
+          </a:p>
+          <a:p>
+            <a:r>
+              <a:rPr lang="pt-BR" sz="1100" dirty="0"/>
+              <a:t>U$ 200.000,00</a:t>
+            </a:r>
+          </a:p>
+          <a:p>
+            <a:endParaRPr lang="pt-BR" sz="1100" dirty="0"/>
+          </a:p>
+          <a:p>
+            <a:r>
+              <a:rPr lang="pt-BR" sz="1100" dirty="0"/>
+              <a:t>+/-</a:t>
+            </a:r>
+          </a:p>
+          <a:p>
+            <a:r>
+              <a:rPr lang="pt-BR" sz="1100" dirty="0"/>
+              <a:t>R$ </a:t>
+            </a:r>
+          </a:p>
+          <a:p>
+            <a:r>
+              <a:rPr lang="pt-BR" sz="1100" dirty="0"/>
+              <a:t>12.899.250.000,00</a:t>
+            </a:r>
+          </a:p>
+          <a:p>
+            <a:r>
+              <a:rPr lang="pt-BR" sz="1100" dirty="0"/>
+              <a:t>Estimativa pelo Radamés</a:t>
+            </a:r>
+          </a:p>
+          <a:p>
+            <a:endParaRPr lang="pt-BR" dirty="0"/>
+          </a:p>
+        </p:txBody>
+      </p:sp>
+    </p:spTree>
+  </p:cSld>
+  <p:clrMapOvr>
+    <a:masterClrMapping/>
+  </p:clrMapOvr>
+</p:sld>
+</file>
+
+<file path=ppt/slides/slide51.xml><?xml version="1.0" encoding="utf-8"?>
+<p:sld xmlns:a="http://schemas.openxmlformats.org/drawingml/2006/main" xmlns:r="http://schemas.openxmlformats.org/officeDocument/2006/relationships" xmlns:p="http://schemas.openxmlformats.org/presentationml/2006/main">
+  <p:cSld>
+    <p:bg>
+      <p:bgPr>
+        <a:solidFill>
+          <a:schemeClr val="bg1"/>
+        </a:solidFill>
+        <a:effectLst/>
+      </p:bgPr>
+    </p:bg>
+    <p:spTree>
+      <p:nvGrpSpPr>
+        <p:cNvPr id="1" name=""/>
+        <p:cNvGrpSpPr/>
+        <p:nvPr/>
+      </p:nvGrpSpPr>
+      <p:grpSpPr>
+        <a:xfrm>
+          <a:off x="0" y="0"/>
+          <a:ext cx="0" cy="0"/>
+          <a:chOff x="0" y="0"/>
+          <a:chExt cx="0" cy="0"/>
+        </a:xfrm>
+      </p:grpSpPr>
+      <p:sp>
+        <p:nvSpPr>
+          <p:cNvPr id="2" name="Title 1"/>
+          <p:cNvSpPr>
+            <a:spLocks noGrp="1"/>
+          </p:cNvSpPr>
+          <p:nvPr>
+            <p:ph type="title"/>
+          </p:nvPr>
+        </p:nvSpPr>
+        <p:spPr>
+          <a:xfrm>
+            <a:off x="620486" y="426739"/>
+            <a:ext cx="7750628" cy="1618489"/>
+          </a:xfrm>
+        </p:spPr>
+        <p:txBody>
+          <a:bodyPr anchor="ctr">
+            <a:normAutofit/>
+          </a:bodyPr>
+          <a:lstStyle/>
+          <a:p>
+            <a:r>
+              <a:rPr lang="pt-BR" sz="5400" dirty="0"/>
+              <a:t>Conclusão</a:t>
+            </a:r>
+          </a:p>
+        </p:txBody>
+      </p:sp>
+      <p:graphicFrame>
+        <p:nvGraphicFramePr>
+          <p:cNvPr id="5" name="Content Placeholder 2">
+            <a:extLst>
+              <a:ext uri="{FF2B5EF4-FFF2-40B4-BE49-F238E27FC236}">
+                <a16:creationId xmlns:a16="http://schemas.microsoft.com/office/drawing/2014/main" id="{0301372E-773E-634A-6EAC-0A09A8C3501C}"/>
+              </a:ext>
+            </a:extLst>
+          </p:cNvPr>
+          <p:cNvGraphicFramePr>
+            <a:graphicFrameLocks noGrp="1"/>
+          </p:cNvGraphicFramePr>
+          <p:nvPr>
+            <p:ph idx="1"/>
+            <p:extLst>
+              <p:ext uri="{D42A27DB-BD31-4B8C-83A1-F6EECF244321}">
+                <p14:modId xmlns:p14="http://schemas.microsoft.com/office/powerpoint/2010/main" val="3225319052"/>
+              </p:ext>
+            </p:extLst>
+          </p:nvPr>
+        </p:nvGraphicFramePr>
+        <p:xfrm>
+          <a:off x="620486" y="2155339"/>
+          <a:ext cx="7903028" cy="3963406"/>
+        </p:xfrm>
+        <a:graphic>
+          <a:graphicData uri="http://schemas.openxmlformats.org/drawingml/2006/diagram">
+            <dgm:relIds xmlns:dgm="http://schemas.openxmlformats.org/drawingml/2006/diagram" xmlns:r="http://schemas.openxmlformats.org/officeDocument/2006/relationships" r:dm="rId2" r:lo="rId3" r:qs="rId4" r:cs="rId5"/>
+          </a:graphicData>
+        </a:graphic>
+      </p:graphicFrame>
+    </p:spTree>
   </p:cSld>
   <p:clrMapOvr>
     <a:masterClrMapping/>

--- a/ALVF_AnalisePropostas_TI_DiretoriaExecutiva_Fev_2025/Apresentação_ProspecçãoSistema_Core_ALVF.pptx
+++ b/ALVF_AnalisePropostas_TI_DiretoriaExecutiva_Fev_2025/Apresentação_ProspecçãoSistema_Core_ALVF.pptx
@@ -5,7 +5,7 @@
     <p:sldMasterId id="2147483744" r:id="rId1"/>
   </p:sldMasterIdLst>
   <p:notesMasterIdLst>
-    <p:notesMasterId r:id="rId53"/>
+    <p:notesMasterId r:id="rId52"/>
   </p:notesMasterIdLst>
   <p:sldIdLst>
     <p:sldId id="256" r:id="rId2"/>
@@ -56,9 +56,8 @@
     <p:sldId id="408" r:id="rId47"/>
     <p:sldId id="409" r:id="rId48"/>
     <p:sldId id="400" r:id="rId49"/>
-    <p:sldId id="403" r:id="rId50"/>
-    <p:sldId id="404" r:id="rId51"/>
-    <p:sldId id="262" r:id="rId52"/>
+    <p:sldId id="404" r:id="rId50"/>
+    <p:sldId id="262" r:id="rId51"/>
   </p:sldIdLst>
   <p:sldSz cx="9144000" cy="6858000" type="screen4x3"/>
   <p:notesSz cx="6858000" cy="9144000"/>
@@ -4830,133 +4829,6 @@
   <p:cSld>
     <p:spTree>
       <p:nvGrpSpPr>
-        <p:cNvPr id="1" name="Shape 103">
-          <a:extLst>
-            <a:ext uri="{FF2B5EF4-FFF2-40B4-BE49-F238E27FC236}">
-              <a16:creationId xmlns:a16="http://schemas.microsoft.com/office/drawing/2014/main" id="{A8AFEB93-5F9D-3ADE-0828-BE90FE02FB72}"/>
-            </a:ext>
-          </a:extLst>
-        </p:cNvPr>
-        <p:cNvGrpSpPr/>
-        <p:nvPr/>
-      </p:nvGrpSpPr>
-      <p:grpSpPr>
-        <a:xfrm>
-          <a:off x="0" y="0"/>
-          <a:ext cx="0" cy="0"/>
-          <a:chOff x="0" y="0"/>
-          <a:chExt cx="0" cy="0"/>
-        </a:xfrm>
-      </p:grpSpPr>
-      <p:sp>
-        <p:nvSpPr>
-          <p:cNvPr id="104" name="Google Shape;104;g2d3d2ac0264_0_197:notes">
-            <a:extLst>
-              <a:ext uri="{FF2B5EF4-FFF2-40B4-BE49-F238E27FC236}">
-                <a16:creationId xmlns:a16="http://schemas.microsoft.com/office/drawing/2014/main" id="{3EDEB8B4-06C4-5EE8-050C-A2E5AE5157A4}"/>
-              </a:ext>
-            </a:extLst>
-          </p:cNvPr>
-          <p:cNvSpPr>
-            <a:spLocks noGrp="1" noRot="1" noChangeAspect="1"/>
-          </p:cNvSpPr>
-          <p:nvPr>
-            <p:ph type="sldImg" idx="2"/>
-          </p:nvPr>
-        </p:nvSpPr>
-        <p:spPr>
-          <a:xfrm>
-            <a:off x="1143000" y="685800"/>
-            <a:ext cx="4572000" cy="3429000"/>
-          </a:xfrm>
-          <a:custGeom>
-            <a:avLst/>
-            <a:gdLst/>
-            <a:ahLst/>
-            <a:cxnLst/>
-            <a:rect l="l" t="t" r="r" b="b"/>
-            <a:pathLst>
-              <a:path w="120000" h="120000" extrusionOk="0">
-                <a:moveTo>
-                  <a:pt x="0" y="0"/>
-                </a:moveTo>
-                <a:lnTo>
-                  <a:pt x="120000" y="0"/>
-                </a:lnTo>
-                <a:lnTo>
-                  <a:pt x="120000" y="120000"/>
-                </a:lnTo>
-                <a:lnTo>
-                  <a:pt x="0" y="120000"/>
-                </a:lnTo>
-                <a:close/>
-              </a:path>
-            </a:pathLst>
-          </a:custGeom>
-        </p:spPr>
-      </p:sp>
-      <p:sp>
-        <p:nvSpPr>
-          <p:cNvPr id="105" name="Google Shape;105;g2d3d2ac0264_0_197:notes">
-            <a:extLst>
-              <a:ext uri="{FF2B5EF4-FFF2-40B4-BE49-F238E27FC236}">
-                <a16:creationId xmlns:a16="http://schemas.microsoft.com/office/drawing/2014/main" id="{87055EA3-013C-DD5A-39FE-5B9CA7435958}"/>
-              </a:ext>
-            </a:extLst>
-          </p:cNvPr>
-          <p:cNvSpPr txBox="1">
-            <a:spLocks noGrp="1"/>
-          </p:cNvSpPr>
-          <p:nvPr>
-            <p:ph type="body" idx="1"/>
-          </p:nvPr>
-        </p:nvSpPr>
-        <p:spPr>
-          <a:xfrm>
-            <a:off x="685800" y="4343400"/>
-            <a:ext cx="5486400" cy="4114800"/>
-          </a:xfrm>
-          <a:prstGeom prst="rect">
-            <a:avLst/>
-          </a:prstGeom>
-        </p:spPr>
-        <p:txBody>
-          <a:bodyPr spcFirstLastPara="1" wrap="square" lIns="91425" tIns="91425" rIns="91425" bIns="91425" anchor="t" anchorCtr="0">
-            <a:noAutofit/>
-          </a:bodyPr>
-          <a:lstStyle/>
-          <a:p>
-            <a:pPr marL="0" lvl="0" indent="0" algn="l" rtl="0">
-              <a:spcBef>
-                <a:spcPts val="0"/>
-              </a:spcBef>
-              <a:spcAft>
-                <a:spcPts val="0"/>
-              </a:spcAft>
-              <a:buNone/>
-            </a:pPr>
-            <a:endParaRPr/>
-          </a:p>
-        </p:txBody>
-      </p:sp>
-    </p:spTree>
-    <p:extLst>
-      <p:ext uri="{BB962C8B-B14F-4D97-AF65-F5344CB8AC3E}">
-        <p14:creationId xmlns:p14="http://schemas.microsoft.com/office/powerpoint/2010/main" val="1910628983"/>
-      </p:ext>
-    </p:extLst>
-  </p:cSld>
-  <p:clrMapOvr>
-    <a:masterClrMapping/>
-  </p:clrMapOvr>
-</p:notes>
-</file>
-
-<file path=ppt/notesSlides/notesSlide21.xml><?xml version="1.0" encoding="utf-8"?>
-<p:notes xmlns:a="http://schemas.openxmlformats.org/drawingml/2006/main" xmlns:r="http://schemas.openxmlformats.org/officeDocument/2006/relationships" xmlns:p="http://schemas.openxmlformats.org/presentationml/2006/main" showMasterSp="0" showMasterPhAnim="0">
-  <p:cSld>
-    <p:spTree>
-      <p:nvGrpSpPr>
         <p:cNvPr id="1" name="Shape 74"/>
         <p:cNvGrpSpPr/>
         <p:nvPr/>
@@ -21569,7 +21441,7 @@
           <a:lstStyle/>
           <a:p>
             <a:r>
-              <a:rPr lang="pt-BR" dirty="0"/>
+              <a:rPr lang="pt-BR" b="1" dirty="0"/>
               <a:t>API</a:t>
             </a:r>
           </a:p>
@@ -21603,13 +21475,15 @@
           </a:bodyPr>
           <a:lstStyle/>
           <a:p>
-            <a:pPr algn="just"/>
+            <a:pPr marL="0" indent="0" algn="just">
+              <a:buNone/>
+            </a:pPr>
             <a:r>
               <a:rPr lang="pt-BR" sz="2800" dirty="0">
                 <a:latin typeface="Arial" panose="020B0604020202020204" pitchFamily="34" charset="0"/>
                 <a:cs typeface="Arial" panose="020B0604020202020204" pitchFamily="34" charset="0"/>
               </a:rPr>
-              <a:t>Uma </a:t>
+              <a:t> A </a:t>
             </a:r>
             <a:r>
               <a:rPr lang="pt-BR" sz="2800" b="1" dirty="0"/>
@@ -21640,47 +21514,64 @@
                 <a:latin typeface="Arial" panose="020B0604020202020204" pitchFamily="34" charset="0"/>
                 <a:cs typeface="Arial" panose="020B0604020202020204" pitchFamily="34" charset="0"/>
               </a:rPr>
-              <a:t>é um conjunto de regras e protocolos que permite que diferentes sistemas se comuniquem entre si. No contexto hospitalar, as APIs possibilitam a integração entre:</a:t>
-            </a:r>
-          </a:p>
-          <a:p>
-            <a:pPr algn="just"/>
-            <a:r>
-              <a:rPr lang="pt-BR" sz="2800" b="1" dirty="0"/>
+              <a:t>contempla um conjunto de regras e protocolos para que diferentes sistemas se comuniquem entre si. É o que possibilita a integração entre:</a:t>
+            </a:r>
+          </a:p>
+          <a:p>
+            <a:pPr marL="0" indent="0" algn="just">
+              <a:buNone/>
+            </a:pPr>
+            <a:endParaRPr lang="pt-BR" sz="2800" dirty="0">
+              <a:latin typeface="Arial" panose="020B0604020202020204" pitchFamily="34" charset="0"/>
+              <a:cs typeface="Arial" panose="020B0604020202020204" pitchFamily="34" charset="0"/>
+            </a:endParaRPr>
+          </a:p>
+          <a:p>
+            <a:pPr lvl="1" algn="just"/>
+            <a:r>
+              <a:rPr lang="pt-BR" sz="2500" b="1" dirty="0"/>
               <a:t>Sistema Core Hospitalar</a:t>
             </a:r>
             <a:r>
-              <a:rPr lang="pt-BR" sz="2800" dirty="0"/>
+              <a:rPr lang="pt-BR" sz="2500" dirty="0"/>
               <a:t> </a:t>
             </a:r>
-            <a:r>
-              <a:rPr lang="pt-BR" sz="2800" dirty="0">
-                <a:latin typeface="Arial" panose="020B0604020202020204" pitchFamily="34" charset="0"/>
-                <a:cs typeface="Arial" panose="020B0604020202020204" pitchFamily="34" charset="0"/>
-              </a:rPr>
-              <a:t>– responsável pelo gerenciamento de prontuários eletrônicos, atendimento, leitos e procedimentos médicos.</a:t>
-            </a:r>
-          </a:p>
-          <a:p>
-            <a:pPr algn="just"/>
-            <a:r>
-              <a:rPr lang="pt-BR" sz="2800" b="1" dirty="0"/>
+          </a:p>
+          <a:p>
+            <a:pPr lvl="1" algn="just"/>
+            <a:r>
+              <a:rPr lang="pt-BR" sz="2500" b="1" dirty="0"/>
               <a:t>Sistema de Backoffice</a:t>
             </a:r>
             <a:r>
-              <a:rPr lang="pt-BR" sz="2800" dirty="0"/>
+              <a:rPr lang="pt-BR" sz="2500" dirty="0"/>
               <a:t> </a:t>
             </a:r>
-            <a:r>
-              <a:rPr lang="pt-BR" sz="2800" dirty="0">
-                <a:latin typeface="Arial" panose="020B0604020202020204" pitchFamily="34" charset="0"/>
-                <a:cs typeface="Arial" panose="020B0604020202020204" pitchFamily="34" charset="0"/>
-              </a:rPr>
-              <a:t>– que cuida de processos administrativos, financeiros, contábeis e de recursos humanos.</a:t>
-            </a:r>
-          </a:p>
-          <a:p>
-            <a:endParaRPr lang="pt-BR" dirty="0"/>
+            <a:endParaRPr lang="pt-BR" sz="2500" dirty="0">
+              <a:latin typeface="Arial" panose="020B0604020202020204" pitchFamily="34" charset="0"/>
+              <a:cs typeface="Arial" panose="020B0604020202020204" pitchFamily="34" charset="0"/>
+            </a:endParaRPr>
+          </a:p>
+          <a:p>
+            <a:pPr lvl="1"/>
+            <a:endParaRPr lang="pt-BR" sz="2500" b="1" dirty="0"/>
+          </a:p>
+          <a:p>
+            <a:pPr marL="342900" lvl="1" indent="0">
+              <a:buNone/>
+            </a:pPr>
+            <a:r>
+              <a:rPr lang="pt-BR" sz="2500" b="1" dirty="0" err="1"/>
+              <a:t>Obs</a:t>
+            </a:r>
+            <a:r>
+              <a:rPr lang="pt-BR" sz="2500" b="1" dirty="0"/>
+              <a:t>: </a:t>
+            </a:r>
+            <a:r>
+              <a:rPr lang="pt-BR" sz="2500" dirty="0"/>
+              <a:t>É um dos recursos que permite a segurança de dados (LGPD)</a:t>
+            </a:r>
           </a:p>
         </p:txBody>
       </p:sp>
@@ -22240,13 +22131,7 @@
   <p:cSld>
     <p:spTree>
       <p:nvGrpSpPr>
-        <p:cNvPr id="1" name="Shape 106">
-          <a:extLst>
-            <a:ext uri="{FF2B5EF4-FFF2-40B4-BE49-F238E27FC236}">
-              <a16:creationId xmlns:a16="http://schemas.microsoft.com/office/drawing/2014/main" id="{AF51F769-01D0-9717-762D-CBD788E79ED8}"/>
-            </a:ext>
-          </a:extLst>
-        </p:cNvPr>
+        <p:cNvPr id="1" name="Shape 77"/>
         <p:cNvGrpSpPr/>
         <p:nvPr/>
       </p:nvGrpSpPr>
@@ -22258,76 +22143,215 @@
           <a:chExt cx="0" cy="0"/>
         </a:xfrm>
       </p:grpSpPr>
-      <p:sp>
-        <p:nvSpPr>
-          <p:cNvPr id="107" name="Google Shape;107;p21">
-            <a:extLst>
-              <a:ext uri="{FF2B5EF4-FFF2-40B4-BE49-F238E27FC236}">
-                <a16:creationId xmlns:a16="http://schemas.microsoft.com/office/drawing/2014/main" id="{22BE551E-CA93-DB77-5C86-1195EB8FB755}"/>
-              </a:ext>
-            </a:extLst>
-          </p:cNvPr>
-          <p:cNvSpPr txBox="1">
-            <a:spLocks noGrp="1"/>
-          </p:cNvSpPr>
-          <p:nvPr>
-            <p:ph type="title"/>
-          </p:nvPr>
-        </p:nvSpPr>
+      <p:pic>
+        <p:nvPicPr>
+          <p:cNvPr id="78" name="Google Shape;78;p17" title="Gráfico"/>
+          <p:cNvPicPr preferRelativeResize="0"/>
+          <p:nvPr/>
+        </p:nvPicPr>
+        <p:blipFill rotWithShape="1">
+          <a:blip r:embed="rId3">
+            <a:alphaModFix/>
+          </a:blip>
+          <a:srcRect b="3836"/>
+          <a:stretch/>
+        </p:blipFill>
         <p:spPr>
           <a:xfrm>
-            <a:off x="311700" y="1302275"/>
-            <a:ext cx="8520600" cy="572700"/>
+            <a:off x="93063" y="1418574"/>
+            <a:ext cx="6997861" cy="4582177"/>
           </a:xfrm>
           <a:prstGeom prst="rect">
             <a:avLst/>
           </a:prstGeom>
+          <a:noFill/>
+          <a:ln>
+            <a:noFill/>
+          </a:ln>
+        </p:spPr>
+      </p:pic>
+      <p:sp>
+        <p:nvSpPr>
+          <p:cNvPr id="79" name="Google Shape;79;p17"/>
+          <p:cNvSpPr txBox="1"/>
+          <p:nvPr/>
+        </p:nvSpPr>
+        <p:spPr>
+          <a:xfrm>
+            <a:off x="855600" y="952075"/>
+            <a:ext cx="7574700" cy="610500"/>
+          </a:xfrm>
+          <a:prstGeom prst="rect">
+            <a:avLst/>
+          </a:prstGeom>
+          <a:noFill/>
+          <a:ln>
+            <a:noFill/>
+          </a:ln>
         </p:spPr>
         <p:txBody>
-          <a:bodyPr spcFirstLastPara="1" vert="horz" wrap="square" lIns="91425" tIns="91425" rIns="91425" bIns="91425" rtlCol="0" anchor="t" anchorCtr="0">
-            <a:normAutofit fontScale="90000"/>
+          <a:bodyPr spcFirstLastPara="1" wrap="square" lIns="91425" tIns="91425" rIns="91425" bIns="91425" anchor="t" anchorCtr="0">
+            <a:noAutofit/>
           </a:bodyPr>
           <a:lstStyle/>
           <a:p>
-            <a:r>
-              <a:rPr lang="pt-BR"/>
-              <a:t>Atualizações</a:t>
-            </a:r>
-            <a:endParaRPr/>
+            <a:pPr algn="ctr">
+              <a:buClr>
+                <a:srgbClr val="000000"/>
+              </a:buClr>
+              <a:buSzPts val="2000"/>
+            </a:pPr>
+            <a:r>
+              <a:rPr lang="pt-BR" sz="3000" dirty="0" err="1">
+                <a:solidFill>
+                  <a:srgbClr val="47BF38"/>
+                </a:solidFill>
+                <a:latin typeface="Raleway Light"/>
+                <a:ea typeface="Raleway Light"/>
+                <a:cs typeface="Raleway Light"/>
+                <a:sym typeface="Raleway Light"/>
+              </a:rPr>
+              <a:t>AGHUse</a:t>
+            </a:r>
+            <a:r>
+              <a:rPr lang="pt-BR" sz="3000" dirty="0">
+                <a:solidFill>
+                  <a:srgbClr val="47BF38"/>
+                </a:solidFill>
+                <a:latin typeface="Raleway Light"/>
+                <a:ea typeface="Raleway Light"/>
+                <a:cs typeface="Raleway Light"/>
+                <a:sym typeface="Raleway Light"/>
+              </a:rPr>
+              <a:t> - </a:t>
+            </a:r>
+            <a:r>
+              <a:rPr lang="pt-BR" sz="2000" dirty="0">
+                <a:solidFill>
+                  <a:srgbClr val="47BF38"/>
+                </a:solidFill>
+                <a:latin typeface="Raleway Light"/>
+                <a:ea typeface="Raleway Light"/>
+                <a:cs typeface="Raleway Light"/>
+                <a:sym typeface="Raleway Light"/>
+              </a:rPr>
+              <a:t>Evolução em </a:t>
+            </a:r>
+            <a:r>
+              <a:rPr lang="pt-BR" sz="2000" dirty="0" err="1">
+                <a:solidFill>
+                  <a:srgbClr val="47BF38"/>
+                </a:solidFill>
+                <a:latin typeface="Raleway Light"/>
+                <a:ea typeface="Raleway Light"/>
+                <a:cs typeface="Raleway Light"/>
+                <a:sym typeface="Raleway Light"/>
+              </a:rPr>
+              <a:t>Macropontos</a:t>
+            </a:r>
+            <a:endParaRPr sz="2000" b="1" dirty="0">
+              <a:solidFill>
+                <a:srgbClr val="47BF38"/>
+              </a:solidFill>
+              <a:latin typeface="Raleway"/>
+              <a:ea typeface="Raleway"/>
+              <a:cs typeface="Raleway"/>
+              <a:sym typeface="Raleway"/>
+            </a:endParaRPr>
           </a:p>
         </p:txBody>
       </p:sp>
       <p:sp>
         <p:nvSpPr>
-          <p:cNvPr id="3" name="Espaço Reservado para Texto 2">
+          <p:cNvPr id="2" name="CaixaDeTexto 1">
             <a:extLst>
               <a:ext uri="{FF2B5EF4-FFF2-40B4-BE49-F238E27FC236}">
-                <a16:creationId xmlns:a16="http://schemas.microsoft.com/office/drawing/2014/main" id="{C011B86D-2059-BC90-1640-68288688A082}"/>
+                <a16:creationId xmlns:a16="http://schemas.microsoft.com/office/drawing/2014/main" id="{8B17D4DC-2696-04B4-79E9-1430721FCB81}"/>
               </a:ext>
             </a:extLst>
           </p:cNvPr>
-          <p:cNvSpPr>
-            <a:spLocks noGrp="1"/>
-          </p:cNvSpPr>
-          <p:nvPr>
-            <p:ph type="body" idx="1"/>
-          </p:nvPr>
+          <p:cNvSpPr txBox="1"/>
+          <p:nvPr/>
         </p:nvSpPr>
-        <p:spPr/>
+        <p:spPr>
+          <a:xfrm>
+            <a:off x="7009213" y="4881129"/>
+            <a:ext cx="1960015" cy="1723549"/>
+          </a:xfrm>
+          <a:prstGeom prst="rect">
+            <a:avLst/>
+          </a:prstGeom>
+          <a:solidFill>
+            <a:schemeClr val="accent2">
+              <a:lumMod val="20000"/>
+              <a:lumOff val="80000"/>
+            </a:schemeClr>
+          </a:solidFill>
+        </p:spPr>
         <p:txBody>
-          <a:bodyPr/>
+          <a:bodyPr wrap="square" rtlCol="0">
+            <a:spAutoFit/>
+          </a:bodyPr>
           <a:lstStyle/>
           <a:p>
-            <a:endParaRPr lang="pt-BR"/>
+            <a:r>
+              <a:rPr lang="pt-BR" sz="1100" dirty="0"/>
+              <a:t>1 </a:t>
+            </a:r>
+            <a:r>
+              <a:rPr lang="pt-BR" sz="1100" dirty="0" err="1"/>
+              <a:t>macroponto</a:t>
+            </a:r>
+            <a:r>
+              <a:rPr lang="pt-BR" sz="1100" dirty="0"/>
+              <a:t>= </a:t>
+            </a:r>
+          </a:p>
+          <a:p>
+            <a:r>
+              <a:rPr lang="pt-BR" sz="1100" dirty="0"/>
+              <a:t>+/- </a:t>
+            </a:r>
+          </a:p>
+          <a:p>
+            <a:r>
+              <a:rPr lang="pt-BR" sz="1100" dirty="0"/>
+              <a:t>U$ 200.000,00</a:t>
+            </a:r>
+          </a:p>
+          <a:p>
+            <a:endParaRPr lang="pt-BR" sz="1100" dirty="0"/>
+          </a:p>
+          <a:p>
+            <a:r>
+              <a:rPr lang="pt-BR" sz="1100" dirty="0"/>
+              <a:t>+/-</a:t>
+            </a:r>
+          </a:p>
+          <a:p>
+            <a:r>
+              <a:rPr lang="pt-BR" sz="1100" dirty="0"/>
+              <a:t>R$ </a:t>
+            </a:r>
+          </a:p>
+          <a:p>
+            <a:r>
+              <a:rPr lang="pt-BR" sz="1100" dirty="0"/>
+              <a:t>12.899.250.000,00</a:t>
+            </a:r>
+          </a:p>
+          <a:p>
+            <a:r>
+              <a:rPr lang="pt-BR" sz="1100" dirty="0"/>
+              <a:t>Estimativa pelo Radamés</a:t>
+            </a:r>
+          </a:p>
+          <a:p>
+            <a:endParaRPr lang="pt-BR" dirty="0"/>
           </a:p>
         </p:txBody>
       </p:sp>
     </p:spTree>
-    <p:extLst>
-      <p:ext uri="{BB962C8B-B14F-4D97-AF65-F5344CB8AC3E}">
-        <p14:creationId xmlns:p14="http://schemas.microsoft.com/office/powerpoint/2010/main" val="3765535251"/>
-      </p:ext>
-    </p:extLst>
   </p:cSld>
   <p:clrMapOvr>
     <a:masterClrMapping/>
@@ -22610,239 +22634,6 @@
 </file>
 
 <file path=ppt/slides/slide50.xml><?xml version="1.0" encoding="utf-8"?>
-<p:sld xmlns:a="http://schemas.openxmlformats.org/drawingml/2006/main" xmlns:r="http://schemas.openxmlformats.org/officeDocument/2006/relationships" xmlns:p="http://schemas.openxmlformats.org/presentationml/2006/main">
-  <p:cSld>
-    <p:spTree>
-      <p:nvGrpSpPr>
-        <p:cNvPr id="1" name="Shape 77"/>
-        <p:cNvGrpSpPr/>
-        <p:nvPr/>
-      </p:nvGrpSpPr>
-      <p:grpSpPr>
-        <a:xfrm>
-          <a:off x="0" y="0"/>
-          <a:ext cx="0" cy="0"/>
-          <a:chOff x="0" y="0"/>
-          <a:chExt cx="0" cy="0"/>
-        </a:xfrm>
-      </p:grpSpPr>
-      <p:pic>
-        <p:nvPicPr>
-          <p:cNvPr id="78" name="Google Shape;78;p17" title="Gráfico"/>
-          <p:cNvPicPr preferRelativeResize="0"/>
-          <p:nvPr/>
-        </p:nvPicPr>
-        <p:blipFill rotWithShape="1">
-          <a:blip r:embed="rId3">
-            <a:alphaModFix/>
-          </a:blip>
-          <a:srcRect b="3836"/>
-          <a:stretch/>
-        </p:blipFill>
-        <p:spPr>
-          <a:xfrm>
-            <a:off x="93063" y="1418574"/>
-            <a:ext cx="6997861" cy="4582177"/>
-          </a:xfrm>
-          <a:prstGeom prst="rect">
-            <a:avLst/>
-          </a:prstGeom>
-          <a:noFill/>
-          <a:ln>
-            <a:noFill/>
-          </a:ln>
-        </p:spPr>
-      </p:pic>
-      <p:sp>
-        <p:nvSpPr>
-          <p:cNvPr id="79" name="Google Shape;79;p17"/>
-          <p:cNvSpPr txBox="1"/>
-          <p:nvPr/>
-        </p:nvSpPr>
-        <p:spPr>
-          <a:xfrm>
-            <a:off x="855600" y="952075"/>
-            <a:ext cx="7574700" cy="610500"/>
-          </a:xfrm>
-          <a:prstGeom prst="rect">
-            <a:avLst/>
-          </a:prstGeom>
-          <a:noFill/>
-          <a:ln>
-            <a:noFill/>
-          </a:ln>
-        </p:spPr>
-        <p:txBody>
-          <a:bodyPr spcFirstLastPara="1" wrap="square" lIns="91425" tIns="91425" rIns="91425" bIns="91425" anchor="t" anchorCtr="0">
-            <a:noAutofit/>
-          </a:bodyPr>
-          <a:lstStyle/>
-          <a:p>
-            <a:pPr algn="ctr">
-              <a:buClr>
-                <a:srgbClr val="000000"/>
-              </a:buClr>
-              <a:buSzPts val="2000"/>
-            </a:pPr>
-            <a:r>
-              <a:rPr lang="pt-BR" sz="3000" dirty="0" err="1">
-                <a:solidFill>
-                  <a:srgbClr val="47BF38"/>
-                </a:solidFill>
-                <a:latin typeface="Raleway Light"/>
-                <a:ea typeface="Raleway Light"/>
-                <a:cs typeface="Raleway Light"/>
-                <a:sym typeface="Raleway Light"/>
-              </a:rPr>
-              <a:t>AGHUse</a:t>
-            </a:r>
-            <a:r>
-              <a:rPr lang="pt-BR" sz="3000" dirty="0">
-                <a:solidFill>
-                  <a:srgbClr val="47BF38"/>
-                </a:solidFill>
-                <a:latin typeface="Raleway Light"/>
-                <a:ea typeface="Raleway Light"/>
-                <a:cs typeface="Raleway Light"/>
-                <a:sym typeface="Raleway Light"/>
-              </a:rPr>
-              <a:t> - </a:t>
-            </a:r>
-            <a:r>
-              <a:rPr lang="pt-BR" sz="2000" dirty="0">
-                <a:solidFill>
-                  <a:srgbClr val="47BF38"/>
-                </a:solidFill>
-                <a:latin typeface="Raleway Light"/>
-                <a:ea typeface="Raleway Light"/>
-                <a:cs typeface="Raleway Light"/>
-                <a:sym typeface="Raleway Light"/>
-              </a:rPr>
-              <a:t>Evolução em </a:t>
-            </a:r>
-            <a:r>
-              <a:rPr lang="pt-BR" sz="2000" dirty="0" err="1">
-                <a:solidFill>
-                  <a:srgbClr val="47BF38"/>
-                </a:solidFill>
-                <a:latin typeface="Raleway Light"/>
-                <a:ea typeface="Raleway Light"/>
-                <a:cs typeface="Raleway Light"/>
-                <a:sym typeface="Raleway Light"/>
-              </a:rPr>
-              <a:t>Macropontos</a:t>
-            </a:r>
-            <a:endParaRPr sz="2000" b="1" dirty="0">
-              <a:solidFill>
-                <a:srgbClr val="47BF38"/>
-              </a:solidFill>
-              <a:latin typeface="Raleway"/>
-              <a:ea typeface="Raleway"/>
-              <a:cs typeface="Raleway"/>
-              <a:sym typeface="Raleway"/>
-            </a:endParaRPr>
-          </a:p>
-        </p:txBody>
-      </p:sp>
-      <p:sp>
-        <p:nvSpPr>
-          <p:cNvPr id="2" name="CaixaDeTexto 1">
-            <a:extLst>
-              <a:ext uri="{FF2B5EF4-FFF2-40B4-BE49-F238E27FC236}">
-                <a16:creationId xmlns:a16="http://schemas.microsoft.com/office/drawing/2014/main" id="{8B17D4DC-2696-04B4-79E9-1430721FCB81}"/>
-              </a:ext>
-            </a:extLst>
-          </p:cNvPr>
-          <p:cNvSpPr txBox="1"/>
-          <p:nvPr/>
-        </p:nvSpPr>
-        <p:spPr>
-          <a:xfrm>
-            <a:off x="7009213" y="4881129"/>
-            <a:ext cx="1960015" cy="1723549"/>
-          </a:xfrm>
-          <a:prstGeom prst="rect">
-            <a:avLst/>
-          </a:prstGeom>
-          <a:solidFill>
-            <a:schemeClr val="accent2">
-              <a:lumMod val="20000"/>
-              <a:lumOff val="80000"/>
-            </a:schemeClr>
-          </a:solidFill>
-        </p:spPr>
-        <p:txBody>
-          <a:bodyPr wrap="square" rtlCol="0">
-            <a:spAutoFit/>
-          </a:bodyPr>
-          <a:lstStyle/>
-          <a:p>
-            <a:r>
-              <a:rPr lang="pt-BR" sz="1100" dirty="0"/>
-              <a:t>1 </a:t>
-            </a:r>
-            <a:r>
-              <a:rPr lang="pt-BR" sz="1100" dirty="0" err="1"/>
-              <a:t>macroponto</a:t>
-            </a:r>
-            <a:r>
-              <a:rPr lang="pt-BR" sz="1100" dirty="0"/>
-              <a:t>= </a:t>
-            </a:r>
-          </a:p>
-          <a:p>
-            <a:r>
-              <a:rPr lang="pt-BR" sz="1100" dirty="0"/>
-              <a:t>+/- </a:t>
-            </a:r>
-          </a:p>
-          <a:p>
-            <a:r>
-              <a:rPr lang="pt-BR" sz="1100" dirty="0"/>
-              <a:t>U$ 200.000,00</a:t>
-            </a:r>
-          </a:p>
-          <a:p>
-            <a:endParaRPr lang="pt-BR" sz="1100" dirty="0"/>
-          </a:p>
-          <a:p>
-            <a:r>
-              <a:rPr lang="pt-BR" sz="1100" dirty="0"/>
-              <a:t>+/-</a:t>
-            </a:r>
-          </a:p>
-          <a:p>
-            <a:r>
-              <a:rPr lang="pt-BR" sz="1100" dirty="0"/>
-              <a:t>R$ </a:t>
-            </a:r>
-          </a:p>
-          <a:p>
-            <a:r>
-              <a:rPr lang="pt-BR" sz="1100" dirty="0"/>
-              <a:t>12.899.250.000,00</a:t>
-            </a:r>
-          </a:p>
-          <a:p>
-            <a:r>
-              <a:rPr lang="pt-BR" sz="1100" dirty="0"/>
-              <a:t>Estimativa pelo Radamés</a:t>
-            </a:r>
-          </a:p>
-          <a:p>
-            <a:endParaRPr lang="pt-BR" dirty="0"/>
-          </a:p>
-        </p:txBody>
-      </p:sp>
-    </p:spTree>
-  </p:cSld>
-  <p:clrMapOvr>
-    <a:masterClrMapping/>
-  </p:clrMapOvr>
-</p:sld>
-</file>
-
-<file path=ppt/slides/slide51.xml><?xml version="1.0" encoding="utf-8"?>
 <p:sld xmlns:a="http://schemas.openxmlformats.org/drawingml/2006/main" xmlns:r="http://schemas.openxmlformats.org/officeDocument/2006/relationships" xmlns:p="http://schemas.openxmlformats.org/presentationml/2006/main">
   <p:cSld>
     <p:bg>
